--- a/宣道詩/(宣道詩100)主我來就你.pptx
+++ b/宣道詩/(宣道詩100)主我來就你.pptx
@@ -5,10 +5,19 @@
     <p:sldMasterId id="2147483672" r:id="rId1"/>
   </p:sldMasterIdLst>
   <p:sldIdLst>
-    <p:sldId id="256" r:id="rId2"/>
-    <p:sldId id="257" r:id="rId3"/>
-    <p:sldId id="258" r:id="rId4"/>
-    <p:sldId id="259" r:id="rId5"/>
+    <p:sldId id="260" r:id="rId2"/>
+    <p:sldId id="261" r:id="rId3"/>
+    <p:sldId id="262" r:id="rId4"/>
+    <p:sldId id="263" r:id="rId5"/>
+    <p:sldId id="264" r:id="rId6"/>
+    <p:sldId id="265" r:id="rId7"/>
+    <p:sldId id="266" r:id="rId8"/>
+    <p:sldId id="267" r:id="rId9"/>
+    <p:sldId id="268" r:id="rId10"/>
+    <p:sldId id="269" r:id="rId11"/>
+    <p:sldId id="270" r:id="rId12"/>
+    <p:sldId id="271" r:id="rId13"/>
+    <p:sldId id="272" r:id="rId14"/>
   </p:sldIdLst>
   <p:sldSz cx="9144000" cy="5143500" type="screen16x9"/>
   <p:notesSz cx="6858000" cy="9144000"/>
@@ -307,7 +316,7 @@
           <a:p>
             <a:fld id="{D572F042-E3AA-446E-A7BD-209431A81E36}" type="datetimeFigureOut">
               <a:rPr lang="zh-TW" altLang="en-US" smtClean="0"/>
-              <a:t>2020/5/16</a:t>
+              <a:t>2021/2/5</a:t>
             </a:fld>
             <a:endParaRPr lang="zh-TW" altLang="en-US"/>
           </a:p>
@@ -472,7 +481,7 @@
           <a:p>
             <a:fld id="{D572F042-E3AA-446E-A7BD-209431A81E36}" type="datetimeFigureOut">
               <a:rPr lang="zh-TW" altLang="en-US" smtClean="0"/>
-              <a:t>2020/5/16</a:t>
+              <a:t>2021/2/5</a:t>
             </a:fld>
             <a:endParaRPr lang="zh-TW" altLang="en-US"/>
           </a:p>
@@ -647,7 +656,7 @@
           <a:p>
             <a:fld id="{D572F042-E3AA-446E-A7BD-209431A81E36}" type="datetimeFigureOut">
               <a:rPr lang="zh-TW" altLang="en-US" smtClean="0"/>
-              <a:t>2020/5/16</a:t>
+              <a:t>2021/2/5</a:t>
             </a:fld>
             <a:endParaRPr lang="zh-TW" altLang="en-US"/>
           </a:p>
@@ -812,7 +821,7 @@
           <a:p>
             <a:fld id="{D572F042-E3AA-446E-A7BD-209431A81E36}" type="datetimeFigureOut">
               <a:rPr lang="zh-TW" altLang="en-US" smtClean="0"/>
-              <a:t>2020/5/16</a:t>
+              <a:t>2021/2/5</a:t>
             </a:fld>
             <a:endParaRPr lang="zh-TW" altLang="en-US"/>
           </a:p>
@@ -1053,7 +1062,7 @@
           <a:p>
             <a:fld id="{D572F042-E3AA-446E-A7BD-209431A81E36}" type="datetimeFigureOut">
               <a:rPr lang="zh-TW" altLang="en-US" smtClean="0"/>
-              <a:t>2020/5/16</a:t>
+              <a:t>2021/2/5</a:t>
             </a:fld>
             <a:endParaRPr lang="zh-TW" altLang="en-US"/>
           </a:p>
@@ -1336,7 +1345,7 @@
           <a:p>
             <a:fld id="{D572F042-E3AA-446E-A7BD-209431A81E36}" type="datetimeFigureOut">
               <a:rPr lang="zh-TW" altLang="en-US" smtClean="0"/>
-              <a:t>2020/5/16</a:t>
+              <a:t>2021/2/5</a:t>
             </a:fld>
             <a:endParaRPr lang="zh-TW" altLang="en-US"/>
           </a:p>
@@ -1753,7 +1762,7 @@
           <a:p>
             <a:fld id="{D572F042-E3AA-446E-A7BD-209431A81E36}" type="datetimeFigureOut">
               <a:rPr lang="zh-TW" altLang="en-US" smtClean="0"/>
-              <a:t>2020/5/16</a:t>
+              <a:t>2021/2/5</a:t>
             </a:fld>
             <a:endParaRPr lang="zh-TW" altLang="en-US"/>
           </a:p>
@@ -1866,7 +1875,7 @@
           <a:p>
             <a:fld id="{D572F042-E3AA-446E-A7BD-209431A81E36}" type="datetimeFigureOut">
               <a:rPr lang="zh-TW" altLang="en-US" smtClean="0"/>
-              <a:t>2020/5/16</a:t>
+              <a:t>2021/2/5</a:t>
             </a:fld>
             <a:endParaRPr lang="zh-TW" altLang="en-US"/>
           </a:p>
@@ -1956,7 +1965,7 @@
           <a:p>
             <a:fld id="{D572F042-E3AA-446E-A7BD-209431A81E36}" type="datetimeFigureOut">
               <a:rPr lang="zh-TW" altLang="en-US" smtClean="0"/>
-              <a:t>2020/5/16</a:t>
+              <a:t>2021/2/5</a:t>
             </a:fld>
             <a:endParaRPr lang="zh-TW" altLang="en-US"/>
           </a:p>
@@ -2228,7 +2237,7 @@
           <a:p>
             <a:fld id="{D572F042-E3AA-446E-A7BD-209431A81E36}" type="datetimeFigureOut">
               <a:rPr lang="zh-TW" altLang="en-US" smtClean="0"/>
-              <a:t>2020/5/16</a:t>
+              <a:t>2021/2/5</a:t>
             </a:fld>
             <a:endParaRPr lang="zh-TW" altLang="en-US"/>
           </a:p>
@@ -2480,7 +2489,7 @@
           <a:p>
             <a:fld id="{D572F042-E3AA-446E-A7BD-209431A81E36}" type="datetimeFigureOut">
               <a:rPr lang="zh-TW" altLang="en-US" smtClean="0"/>
-              <a:t>2020/5/16</a:t>
+              <a:t>2021/2/5</a:t>
             </a:fld>
             <a:endParaRPr lang="zh-TW" altLang="en-US"/>
           </a:p>
@@ -2693,7 +2702,7 @@
           <a:p>
             <a:fld id="{D572F042-E3AA-446E-A7BD-209431A81E36}" type="datetimeFigureOut">
               <a:rPr lang="zh-TW" altLang="en-US" smtClean="0"/>
-              <a:t>2020/5/16</a:t>
+              <a:t>2021/2/5</a:t>
             </a:fld>
             <a:endParaRPr lang="zh-TW" altLang="en-US"/>
           </a:p>
@@ -3073,201 +3082,691 @@
             <p:ph type="title"/>
           </p:nvPr>
         </p:nvSpPr>
-        <p:spPr/>
+        <p:spPr>
+          <a:xfrm>
+            <a:off x="0" y="2143135"/>
+            <a:ext cx="9144000" cy="857250"/>
+          </a:xfrm>
+        </p:spPr>
         <p:txBody>
           <a:bodyPr>
+            <a:noAutofit/>
+          </a:bodyPr>
+          <a:lstStyle/>
+          <a:p>
+            <a:r>
+              <a:rPr lang="zh-CN" altLang="en-US" sz="4000" b="1" u="sng" dirty="0" smtClean="0">
+                <a:solidFill>
+                  <a:srgbClr val="660033"/>
+                </a:solidFill>
+                <a:effectLst>
+                  <a:outerShdw blurRad="38100" dist="38100" dir="2700000" algn="tl">
+                    <a:srgbClr val="000000">
+                      <a:alpha val="43137"/>
+                    </a:srgbClr>
+                  </a:outerShdw>
+                </a:effectLst>
+                <a:latin typeface="微軟正黑體" pitchFamily="34" charset="-120"/>
+                <a:ea typeface="微軟正黑體" pitchFamily="34" charset="-120"/>
+              </a:rPr>
+              <a:t>宣道詩 </a:t>
+            </a:r>
+            <a:r>
+              <a:rPr lang="en-US" altLang="zh-CN" sz="4000" b="1" u="sng" dirty="0" smtClean="0">
+                <a:solidFill>
+                  <a:srgbClr val="660033"/>
+                </a:solidFill>
+                <a:effectLst>
+                  <a:outerShdw blurRad="38100" dist="38100" dir="2700000" algn="tl">
+                    <a:srgbClr val="000000">
+                      <a:alpha val="43137"/>
+                    </a:srgbClr>
+                  </a:outerShdw>
+                </a:effectLst>
+                <a:latin typeface="微軟正黑體" pitchFamily="34" charset="-120"/>
+                <a:ea typeface="微軟正黑體" pitchFamily="34" charset="-120"/>
+              </a:rPr>
+              <a:t>100</a:t>
+            </a:r>
+            <a:r>
+              <a:rPr lang="en-US" altLang="zh-CN" sz="5400" b="1" i="1" dirty="0" smtClean="0">
+                <a:solidFill>
+                  <a:srgbClr val="660033"/>
+                </a:solidFill>
+                <a:effectLst>
+                  <a:outerShdw blurRad="38100" dist="38100" dir="2700000" algn="tl">
+                    <a:srgbClr val="000000">
+                      <a:alpha val="43137"/>
+                    </a:srgbClr>
+                  </a:outerShdw>
+                </a:effectLst>
+                <a:latin typeface="微軟正黑體" pitchFamily="34" charset="-120"/>
+                <a:ea typeface="微軟正黑體" pitchFamily="34" charset="-120"/>
+              </a:rPr>
+              <a:t/>
+            </a:r>
+            <a:br>
+              <a:rPr lang="en-US" altLang="zh-CN" sz="5400" b="1" i="1" dirty="0" smtClean="0">
+                <a:solidFill>
+                  <a:srgbClr val="660033"/>
+                </a:solidFill>
+                <a:effectLst>
+                  <a:outerShdw blurRad="38100" dist="38100" dir="2700000" algn="tl">
+                    <a:srgbClr val="000000">
+                      <a:alpha val="43137"/>
+                    </a:srgbClr>
+                  </a:outerShdw>
+                </a:effectLst>
+                <a:latin typeface="微軟正黑體" pitchFamily="34" charset="-120"/>
+                <a:ea typeface="微軟正黑體" pitchFamily="34" charset="-120"/>
+              </a:rPr>
+            </a:br>
+            <a:r>
+              <a:rPr lang="zh-CN" altLang="en-US" sz="6000" b="1" dirty="0" smtClean="0">
+                <a:solidFill>
+                  <a:srgbClr val="000066"/>
+                </a:solidFill>
+                <a:effectLst>
+                  <a:outerShdw blurRad="38100" dist="38100" dir="2700000" algn="tl">
+                    <a:srgbClr val="000000">
+                      <a:alpha val="43137"/>
+                    </a:srgbClr>
+                  </a:outerShdw>
+                </a:effectLst>
+                <a:latin typeface="微軟正黑體" pitchFamily="34" charset="-120"/>
+                <a:ea typeface="微軟正黑體" pitchFamily="34" charset="-120"/>
+              </a:rPr>
+              <a:t>主</a:t>
+            </a:r>
+            <a:r>
+              <a:rPr lang="zh-CN" altLang="en-US" sz="6000" b="1" dirty="0">
+                <a:solidFill>
+                  <a:srgbClr val="000066"/>
+                </a:solidFill>
+                <a:effectLst>
+                  <a:outerShdw blurRad="38100" dist="38100" dir="2700000" algn="tl">
+                    <a:srgbClr val="000000">
+                      <a:alpha val="43137"/>
+                    </a:srgbClr>
+                  </a:outerShdw>
+                </a:effectLst>
+                <a:latin typeface="微軟正黑體" pitchFamily="34" charset="-120"/>
+                <a:ea typeface="微軟正黑體" pitchFamily="34" charset="-120"/>
+              </a:rPr>
+              <a:t>我來就袮</a:t>
+            </a:r>
+            <a:endParaRPr lang="zh-TW" altLang="en-US" sz="6000" b="1" dirty="0">
+              <a:solidFill>
+                <a:srgbClr val="000066"/>
+              </a:solidFill>
+              <a:effectLst>
+                <a:outerShdw blurRad="38100" dist="38100" dir="2700000" algn="tl">
+                  <a:srgbClr val="000000">
+                    <a:alpha val="43137"/>
+                  </a:srgbClr>
+                </a:outerShdw>
+              </a:effectLst>
+              <a:latin typeface="微軟正黑體" pitchFamily="34" charset="-120"/>
+              <a:ea typeface="微軟正黑體" pitchFamily="34" charset="-120"/>
+            </a:endParaRPr>
+          </a:p>
+        </p:txBody>
+      </p:sp>
+    </p:spTree>
+    <p:extLst>
+      <p:ext uri="{BB962C8B-B14F-4D97-AF65-F5344CB8AC3E}">
+        <p14:creationId xmlns:p14="http://schemas.microsoft.com/office/powerpoint/2010/main" val="2696586585"/>
+      </p:ext>
+    </p:extLst>
+  </p:cSld>
+  <p:clrMapOvr>
+    <a:masterClrMapping/>
+  </p:clrMapOvr>
+  <p:timing>
+    <p:tnLst>
+      <p:par>
+        <p:cTn id="1" dur="indefinite" restart="never" nodeType="tmRoot"/>
+      </p:par>
+    </p:tnLst>
+  </p:timing>
+</p:sld>
+</file>
+
+<file path=ppt/slides/slide10.xml><?xml version="1.0" encoding="utf-8"?>
+<p:sld xmlns:a="http://schemas.openxmlformats.org/drawingml/2006/main" xmlns:r="http://schemas.openxmlformats.org/officeDocument/2006/relationships" xmlns:p="http://schemas.openxmlformats.org/presentationml/2006/main">
+  <p:cSld>
+    <p:spTree>
+      <p:nvGrpSpPr>
+        <p:cNvPr id="1" name=""/>
+        <p:cNvGrpSpPr/>
+        <p:nvPr/>
+      </p:nvGrpSpPr>
+      <p:grpSpPr>
+        <a:xfrm>
+          <a:off x="0" y="0"/>
+          <a:ext cx="0" cy="0"/>
+          <a:chOff x="0" y="0"/>
+          <a:chExt cx="0" cy="0"/>
+        </a:xfrm>
+      </p:grpSpPr>
+      <p:sp>
+        <p:nvSpPr>
+          <p:cNvPr id="5" name="內容版面配置區 4"/>
+          <p:cNvSpPr>
+            <a:spLocks noGrp="1"/>
+          </p:cNvSpPr>
+          <p:nvPr>
+            <p:ph idx="1"/>
+          </p:nvPr>
+        </p:nvSpPr>
+        <p:spPr>
+          <a:xfrm>
+            <a:off x="0" y="1563638"/>
+            <a:ext cx="9144000" cy="1803647"/>
+          </a:xfrm>
+        </p:spPr>
+        <p:txBody>
+          <a:bodyPr anchor="ctr">
             <a:normAutofit/>
           </a:bodyPr>
           <a:lstStyle/>
           <a:p>
-            <a:r>
-              <a:rPr lang="zh-CN" altLang="en-US" sz="3600" b="1" dirty="0" smtClean="0">
+            <a:pPr algn="ctr">
+              <a:buNone/>
+            </a:pPr>
+            <a:r>
+              <a:rPr lang="zh-CN" altLang="en-US" sz="4800" b="1" dirty="0">
+                <a:solidFill>
+                  <a:srgbClr val="000066"/>
+                </a:solidFill>
                 <a:latin typeface="Microsoft JhengHei" pitchFamily="34" charset="-120"/>
                 <a:ea typeface="Microsoft JhengHei" pitchFamily="34" charset="-120"/>
               </a:rPr>
-              <a:t>主我來</a:t>
-            </a:r>
-            <a:r>
-              <a:rPr lang="zh-CN" altLang="en-US" sz="3600" b="1" dirty="0" smtClean="0">
-                <a:latin typeface="Microsoft JhengHei" pitchFamily="34" charset="-120"/>
-                <a:ea typeface="Microsoft JhengHei" pitchFamily="34" charset="-120"/>
-              </a:rPr>
-              <a:t>就袮</a:t>
-            </a:r>
-            <a:endParaRPr lang="zh-TW" altLang="en-US" sz="3600" b="1" dirty="0">
+              <a:t>主我來就袮  我今來就袮</a:t>
+            </a:r>
+            <a:endParaRPr lang="en-US" altLang="zh-CN" sz="4800" b="1" dirty="0">
+              <a:solidFill>
+                <a:srgbClr val="000066"/>
+              </a:solidFill>
               <a:latin typeface="Microsoft JhengHei" pitchFamily="34" charset="-120"/>
               <a:ea typeface="Microsoft JhengHei" pitchFamily="34" charset="-120"/>
             </a:endParaRPr>
           </a:p>
-        </p:txBody>
-      </p:sp>
-      <p:sp>
-        <p:nvSpPr>
-          <p:cNvPr id="5" name="內容版面配置區 4"/>
-          <p:cNvSpPr>
-            <a:spLocks noGrp="1"/>
-          </p:cNvSpPr>
-          <p:nvPr>
-            <p:ph idx="1"/>
-          </p:nvPr>
-        </p:nvSpPr>
-        <p:spPr>
-          <a:xfrm>
-            <a:off x="0" y="1200150"/>
-            <a:ext cx="9144000" cy="3943349"/>
-          </a:xfrm>
-        </p:spPr>
-        <p:txBody>
-          <a:bodyPr>
-            <a:noAutofit/>
-          </a:bodyPr>
-          <a:lstStyle/>
           <a:p>
             <a:pPr algn="ctr">
               <a:buNone/>
             </a:pPr>
             <a:r>
-              <a:rPr lang="zh-CN" altLang="en-US" sz="4400" b="1" dirty="0" smtClean="0">
+              <a:rPr lang="zh-CN" altLang="en-US" sz="4800" b="1" dirty="0">
+                <a:solidFill>
+                  <a:srgbClr val="000066"/>
+                </a:solidFill>
                 <a:latin typeface="Microsoft JhengHei" pitchFamily="34" charset="-120"/>
                 <a:ea typeface="Microsoft JhengHei" pitchFamily="34" charset="-120"/>
               </a:rPr>
-              <a:t>救主歡喜聲音 我今願前來聽</a:t>
-            </a:r>
-            <a:endParaRPr lang="en-US" altLang="zh-CN" sz="4400" b="1" dirty="0" smtClean="0">
+              <a:t>救主所流的寶血</a:t>
+            </a:r>
+            <a:r>
+              <a:rPr lang="en-US" altLang="zh-CN" sz="4800" b="1" dirty="0">
+                <a:solidFill>
+                  <a:srgbClr val="000066"/>
+                </a:solidFill>
+                <a:latin typeface="Microsoft JhengHei" pitchFamily="34" charset="-120"/>
+                <a:ea typeface="Microsoft JhengHei" pitchFamily="34" charset="-120"/>
+              </a:rPr>
+              <a:t>  </a:t>
+            </a:r>
+            <a:r>
+              <a:rPr lang="zh-CN" altLang="en-US" sz="4800" b="1" dirty="0">
+                <a:solidFill>
+                  <a:srgbClr val="000066"/>
+                </a:solidFill>
+                <a:latin typeface="Microsoft JhengHei" pitchFamily="34" charset="-120"/>
+                <a:ea typeface="Microsoft JhengHei" pitchFamily="34" charset="-120"/>
+              </a:rPr>
+              <a:t>洗我罪惡清潔</a:t>
+            </a:r>
+            <a:endParaRPr lang="zh-TW" altLang="en-US" sz="4800" b="1" dirty="0">
+              <a:solidFill>
+                <a:srgbClr val="000066"/>
+              </a:solidFill>
               <a:latin typeface="Microsoft JhengHei" pitchFamily="34" charset="-120"/>
               <a:ea typeface="Microsoft JhengHei" pitchFamily="34" charset="-120"/>
             </a:endParaRPr>
           </a:p>
+        </p:txBody>
+      </p:sp>
+    </p:spTree>
+    <p:extLst>
+      <p:ext uri="{BB962C8B-B14F-4D97-AF65-F5344CB8AC3E}">
+        <p14:creationId xmlns:p14="http://schemas.microsoft.com/office/powerpoint/2010/main" val="2078893670"/>
+      </p:ext>
+    </p:extLst>
+  </p:cSld>
+  <p:clrMapOvr>
+    <a:masterClrMapping/>
+  </p:clrMapOvr>
+</p:sld>
+</file>
+
+<file path=ppt/slides/slide11.xml><?xml version="1.0" encoding="utf-8"?>
+<p:sld xmlns:a="http://schemas.openxmlformats.org/drawingml/2006/main" xmlns:r="http://schemas.openxmlformats.org/officeDocument/2006/relationships" xmlns:p="http://schemas.openxmlformats.org/presentationml/2006/main">
+  <p:cSld>
+    <p:spTree>
+      <p:nvGrpSpPr>
+        <p:cNvPr id="1" name=""/>
+        <p:cNvGrpSpPr/>
+        <p:nvPr/>
+      </p:nvGrpSpPr>
+      <p:grpSpPr>
+        <a:xfrm>
+          <a:off x="0" y="0"/>
+          <a:ext cx="0" cy="0"/>
+          <a:chOff x="0" y="0"/>
+          <a:chExt cx="0" cy="0"/>
+        </a:xfrm>
+      </p:grpSpPr>
+      <p:sp>
+        <p:nvSpPr>
+          <p:cNvPr id="5" name="內容版面配置區 4"/>
+          <p:cNvSpPr>
+            <a:spLocks noGrp="1"/>
+          </p:cNvSpPr>
+          <p:nvPr>
+            <p:ph idx="1"/>
+          </p:nvPr>
+        </p:nvSpPr>
+        <p:spPr>
+          <a:xfrm>
+            <a:off x="0" y="1563638"/>
+            <a:ext cx="9144000" cy="1803647"/>
+          </a:xfrm>
+        </p:spPr>
+        <p:txBody>
+          <a:bodyPr anchor="ctr">
+            <a:normAutofit lnSpcReduction="10000"/>
+          </a:bodyPr>
+          <a:lstStyle/>
           <a:p>
             <a:pPr algn="ctr">
+              <a:lnSpc>
+                <a:spcPct val="110000"/>
+              </a:lnSpc>
               <a:buNone/>
             </a:pPr>
             <a:r>
-              <a:rPr lang="zh-CN" altLang="en-US" sz="4400" b="1" dirty="0" smtClean="0">
+              <a:rPr lang="zh-CN" altLang="en-US" sz="4800" b="1" dirty="0">
+                <a:solidFill>
+                  <a:srgbClr val="000066"/>
+                </a:solidFill>
                 <a:latin typeface="Microsoft JhengHei" pitchFamily="34" charset="-120"/>
                 <a:ea typeface="Microsoft JhengHei" pitchFamily="34" charset="-120"/>
               </a:rPr>
-              <a:t>為我罪惡流出寶血</a:t>
-            </a:r>
-            <a:endParaRPr lang="en-US" altLang="zh-CN" sz="4400" b="1" dirty="0" smtClean="0">
+              <a:t>美哉贖罪</a:t>
+            </a:r>
+            <a:r>
+              <a:rPr lang="zh-CN" altLang="en-US" sz="4800" b="1" dirty="0" smtClean="0">
+                <a:solidFill>
+                  <a:srgbClr val="000066"/>
+                </a:solidFill>
+                <a:latin typeface="Microsoft JhengHei" pitchFamily="34" charset="-120"/>
+                <a:ea typeface="Microsoft JhengHei" pitchFamily="34" charset="-120"/>
+              </a:rPr>
+              <a:t>寶血</a:t>
+            </a:r>
+            <a:endParaRPr lang="en-US" altLang="zh-CN" sz="4800" b="1" dirty="0">
+              <a:solidFill>
+                <a:srgbClr val="000066"/>
+              </a:solidFill>
               <a:latin typeface="Microsoft JhengHei" pitchFamily="34" charset="-120"/>
               <a:ea typeface="Microsoft JhengHei" pitchFamily="34" charset="-120"/>
             </a:endParaRPr>
           </a:p>
           <a:p>
             <a:pPr algn="ctr">
+              <a:lnSpc>
+                <a:spcPct val="110000"/>
+              </a:lnSpc>
               <a:buNone/>
             </a:pPr>
             <a:r>
-              <a:rPr lang="zh-CN" altLang="en-US" sz="4400" b="1" dirty="0" smtClean="0">
+              <a:rPr lang="zh-CN" altLang="en-US" sz="4800" b="1" dirty="0" smtClean="0">
+                <a:solidFill>
+                  <a:srgbClr val="000066"/>
+                </a:solidFill>
                 <a:latin typeface="Microsoft JhengHei" pitchFamily="34" charset="-120"/>
                 <a:ea typeface="Microsoft JhengHei" pitchFamily="34" charset="-120"/>
               </a:rPr>
-              <a:t>使我能得生命</a:t>
-            </a:r>
-            <a:endParaRPr lang="en-US" altLang="zh-CN" sz="4400" b="1" dirty="0" smtClean="0">
+              <a:t>大哉十架能力</a:t>
+            </a:r>
+            <a:endParaRPr lang="en-US" altLang="zh-CN" sz="4800" b="1" dirty="0">
+              <a:solidFill>
+                <a:srgbClr val="000066"/>
+              </a:solidFill>
               <a:latin typeface="Microsoft JhengHei" pitchFamily="34" charset="-120"/>
               <a:ea typeface="Microsoft JhengHei" pitchFamily="34" charset="-120"/>
             </a:endParaRPr>
           </a:p>
+        </p:txBody>
+      </p:sp>
+      <p:sp>
+        <p:nvSpPr>
+          <p:cNvPr id="3" name="TextBox 2"/>
+          <p:cNvSpPr txBox="1"/>
+          <p:nvPr/>
+        </p:nvSpPr>
+        <p:spPr>
+          <a:xfrm>
+            <a:off x="827584" y="1661525"/>
+            <a:ext cx="936104" cy="830997"/>
+          </a:xfrm>
+          <a:prstGeom prst="rect">
+            <a:avLst/>
+          </a:prstGeom>
+          <a:noFill/>
+        </p:spPr>
+        <p:txBody>
+          <a:bodyPr wrap="square" rtlCol="0">
+            <a:spAutoFit/>
+          </a:bodyPr>
+          <a:lstStyle/>
+          <a:p>
+            <a:r>
+              <a:rPr lang="en-US" sz="4800" b="1" dirty="0">
+                <a:solidFill>
+                  <a:srgbClr val="000066"/>
+                </a:solidFill>
+              </a:rPr>
+              <a:t>4</a:t>
+            </a:r>
+            <a:r>
+              <a:rPr lang="en-US" sz="4800" b="1" dirty="0" smtClean="0">
+                <a:solidFill>
+                  <a:srgbClr val="000066"/>
+                </a:solidFill>
+              </a:rPr>
+              <a:t>.</a:t>
+            </a:r>
+            <a:endParaRPr lang="vi-VN" sz="4800" b="1" dirty="0">
+              <a:solidFill>
+                <a:srgbClr val="000066"/>
+              </a:solidFill>
+            </a:endParaRPr>
+          </a:p>
+        </p:txBody>
+      </p:sp>
+    </p:spTree>
+    <p:extLst>
+      <p:ext uri="{BB962C8B-B14F-4D97-AF65-F5344CB8AC3E}">
+        <p14:creationId xmlns:p14="http://schemas.microsoft.com/office/powerpoint/2010/main" val="2643713627"/>
+      </p:ext>
+    </p:extLst>
+  </p:cSld>
+  <p:clrMapOvr>
+    <a:masterClrMapping/>
+  </p:clrMapOvr>
+</p:sld>
+</file>
+
+<file path=ppt/slides/slide12.xml><?xml version="1.0" encoding="utf-8"?>
+<p:sld xmlns:a="http://schemas.openxmlformats.org/drawingml/2006/main" xmlns:r="http://schemas.openxmlformats.org/officeDocument/2006/relationships" xmlns:p="http://schemas.openxmlformats.org/presentationml/2006/main">
+  <p:cSld>
+    <p:spTree>
+      <p:nvGrpSpPr>
+        <p:cNvPr id="1" name=""/>
+        <p:cNvGrpSpPr/>
+        <p:nvPr/>
+      </p:nvGrpSpPr>
+      <p:grpSpPr>
+        <a:xfrm>
+          <a:off x="0" y="0"/>
+          <a:ext cx="0" cy="0"/>
+          <a:chOff x="0" y="0"/>
+          <a:chExt cx="0" cy="0"/>
+        </a:xfrm>
+      </p:grpSpPr>
+      <p:sp>
+        <p:nvSpPr>
+          <p:cNvPr id="5" name="內容版面配置區 4"/>
+          <p:cNvSpPr>
+            <a:spLocks noGrp="1"/>
+          </p:cNvSpPr>
+          <p:nvPr>
+            <p:ph idx="1"/>
+          </p:nvPr>
+        </p:nvSpPr>
+        <p:spPr>
+          <a:xfrm>
+            <a:off x="0" y="1563638"/>
+            <a:ext cx="9144000" cy="1803647"/>
+          </a:xfrm>
+        </p:spPr>
+        <p:txBody>
+          <a:bodyPr anchor="ctr">
+            <a:normAutofit lnSpcReduction="10000"/>
+          </a:bodyPr>
+          <a:lstStyle/>
           <a:p>
             <a:pPr algn="ctr">
+              <a:lnSpc>
+                <a:spcPct val="110000"/>
+              </a:lnSpc>
               <a:buNone/>
             </a:pPr>
             <a:r>
-              <a:rPr lang="zh-CN" altLang="en-US" sz="4400" b="1" dirty="0">
+              <a:rPr lang="zh-CN" altLang="en-US" sz="4800" b="1" dirty="0">
+                <a:solidFill>
+                  <a:srgbClr val="000066"/>
+                </a:solidFill>
                 <a:latin typeface="Microsoft JhengHei" pitchFamily="34" charset="-120"/>
                 <a:ea typeface="Microsoft JhengHei" pitchFamily="34" charset="-120"/>
               </a:rPr>
-              <a:t>主我來</a:t>
-            </a:r>
-            <a:r>
-              <a:rPr lang="zh-CN" altLang="en-US" sz="4400" b="1" dirty="0">
-                <a:latin typeface="Microsoft JhengHei" pitchFamily="34" charset="-120"/>
-                <a:ea typeface="Microsoft JhengHei" pitchFamily="34" charset="-120"/>
-              </a:rPr>
-              <a:t>就</a:t>
-            </a:r>
-            <a:r>
-              <a:rPr lang="zh-CN" altLang="en-US" sz="4400" b="1" dirty="0" smtClean="0">
-                <a:latin typeface="Microsoft JhengHei" pitchFamily="34" charset="-120"/>
-                <a:ea typeface="Microsoft JhengHei" pitchFamily="34" charset="-120"/>
-              </a:rPr>
-              <a:t>袮  我</a:t>
-            </a:r>
-            <a:r>
-              <a:rPr lang="zh-CN" altLang="en-US" sz="4400" b="1" dirty="0">
-                <a:latin typeface="Microsoft JhengHei" pitchFamily="34" charset="-120"/>
-                <a:ea typeface="Microsoft JhengHei" pitchFamily="34" charset="-120"/>
-              </a:rPr>
-              <a:t>今來</a:t>
-            </a:r>
-            <a:r>
-              <a:rPr lang="zh-CN" altLang="en-US" sz="4400" b="1" dirty="0">
-                <a:latin typeface="Microsoft JhengHei" pitchFamily="34" charset="-120"/>
-                <a:ea typeface="Microsoft JhengHei" pitchFamily="34" charset="-120"/>
-              </a:rPr>
-              <a:t>就袮</a:t>
-            </a:r>
-            <a:endParaRPr lang="en-US" altLang="zh-CN" sz="4400" b="1" dirty="0">
+              <a:t>奇哉耶穌替我受死</a:t>
+            </a:r>
+            <a:endParaRPr lang="en-US" altLang="zh-CN" sz="4800" b="1" dirty="0">
+              <a:solidFill>
+                <a:srgbClr val="000066"/>
+              </a:solidFill>
               <a:latin typeface="Microsoft JhengHei" pitchFamily="34" charset="-120"/>
               <a:ea typeface="Microsoft JhengHei" pitchFamily="34" charset="-120"/>
             </a:endParaRPr>
           </a:p>
           <a:p>
             <a:pPr algn="ctr">
+              <a:lnSpc>
+                <a:spcPct val="110000"/>
+              </a:lnSpc>
               <a:buNone/>
             </a:pPr>
             <a:r>
-              <a:rPr lang="zh-CN" altLang="en-US" sz="4400" b="1" dirty="0">
+              <a:rPr lang="zh-CN" altLang="en-US" sz="4800" b="1" dirty="0">
+                <a:solidFill>
+                  <a:srgbClr val="000066"/>
+                </a:solidFill>
                 <a:latin typeface="Microsoft JhengHei" pitchFamily="34" charset="-120"/>
                 <a:ea typeface="Microsoft JhengHei" pitchFamily="34" charset="-120"/>
               </a:rPr>
-              <a:t>救主所流的寶</a:t>
-            </a:r>
-            <a:r>
-              <a:rPr lang="zh-CN" altLang="en-US" sz="4400" b="1" dirty="0" smtClean="0">
-                <a:latin typeface="Microsoft JhengHei" pitchFamily="34" charset="-120"/>
-                <a:ea typeface="Microsoft JhengHei" pitchFamily="34" charset="-120"/>
-              </a:rPr>
-              <a:t>血</a:t>
-            </a:r>
-            <a:r>
-              <a:rPr lang="en-US" altLang="zh-CN" sz="4400" b="1" dirty="0" smtClean="0">
-                <a:latin typeface="Microsoft JhengHei" pitchFamily="34" charset="-120"/>
-                <a:ea typeface="Microsoft JhengHei" pitchFamily="34" charset="-120"/>
-              </a:rPr>
-              <a:t>  </a:t>
-            </a:r>
-            <a:r>
-              <a:rPr lang="zh-CN" altLang="en-US" sz="4400" b="1" dirty="0" smtClean="0">
-                <a:latin typeface="Microsoft JhengHei" pitchFamily="34" charset="-120"/>
-                <a:ea typeface="Microsoft JhengHei" pitchFamily="34" charset="-120"/>
-              </a:rPr>
-              <a:t>洗</a:t>
-            </a:r>
-            <a:r>
-              <a:rPr lang="zh-CN" altLang="en-US" sz="4400" b="1" dirty="0">
-                <a:latin typeface="Microsoft JhengHei" pitchFamily="34" charset="-120"/>
-                <a:ea typeface="Microsoft JhengHei" pitchFamily="34" charset="-120"/>
-              </a:rPr>
-              <a:t>我罪惡清</a:t>
-            </a:r>
-            <a:r>
-              <a:rPr lang="zh-CN" altLang="en-US" sz="4400" b="1" dirty="0" smtClean="0">
-                <a:latin typeface="Microsoft JhengHei" pitchFamily="34" charset="-120"/>
-                <a:ea typeface="Microsoft JhengHei" pitchFamily="34" charset="-120"/>
-              </a:rPr>
-              <a:t>潔</a:t>
-            </a:r>
-            <a:endParaRPr lang="zh-TW" altLang="en-US" sz="4400" b="1" dirty="0">
+              <a:t>我要愛主到底</a:t>
+            </a:r>
+            <a:endParaRPr lang="en-US" altLang="zh-CN" sz="4800" b="1" dirty="0">
+              <a:solidFill>
+                <a:srgbClr val="000066"/>
+              </a:solidFill>
               <a:latin typeface="Microsoft JhengHei" pitchFamily="34" charset="-120"/>
               <a:ea typeface="Microsoft JhengHei" pitchFamily="34" charset="-120"/>
             </a:endParaRPr>
           </a:p>
         </p:txBody>
       </p:sp>
+      <p:sp>
+        <p:nvSpPr>
+          <p:cNvPr id="3" name="TextBox 2"/>
+          <p:cNvSpPr txBox="1"/>
+          <p:nvPr/>
+        </p:nvSpPr>
+        <p:spPr>
+          <a:xfrm>
+            <a:off x="827584" y="1661525"/>
+            <a:ext cx="936104" cy="830997"/>
+          </a:xfrm>
+          <a:prstGeom prst="rect">
+            <a:avLst/>
+          </a:prstGeom>
+          <a:noFill/>
+        </p:spPr>
+        <p:txBody>
+          <a:bodyPr wrap="square" rtlCol="0">
+            <a:spAutoFit/>
+          </a:bodyPr>
+          <a:lstStyle/>
+          <a:p>
+            <a:r>
+              <a:rPr lang="en-US" sz="4800" b="1" dirty="0">
+                <a:solidFill>
+                  <a:srgbClr val="000066"/>
+                </a:solidFill>
+              </a:rPr>
+              <a:t>4</a:t>
+            </a:r>
+            <a:r>
+              <a:rPr lang="en-US" sz="4800" b="1" dirty="0" smtClean="0">
+                <a:solidFill>
+                  <a:srgbClr val="000066"/>
+                </a:solidFill>
+              </a:rPr>
+              <a:t>.</a:t>
+            </a:r>
+            <a:endParaRPr lang="vi-VN" sz="4800" b="1" dirty="0">
+              <a:solidFill>
+                <a:srgbClr val="000066"/>
+              </a:solidFill>
+            </a:endParaRPr>
+          </a:p>
+        </p:txBody>
+      </p:sp>
     </p:spTree>
+    <p:extLst>
+      <p:ext uri="{BB962C8B-B14F-4D97-AF65-F5344CB8AC3E}">
+        <p14:creationId xmlns:p14="http://schemas.microsoft.com/office/powerpoint/2010/main" val="745578466"/>
+      </p:ext>
+    </p:extLst>
+  </p:cSld>
+  <p:clrMapOvr>
+    <a:masterClrMapping/>
+  </p:clrMapOvr>
+</p:sld>
+</file>
+
+<file path=ppt/slides/slide13.xml><?xml version="1.0" encoding="utf-8"?>
+<p:sld xmlns:a="http://schemas.openxmlformats.org/drawingml/2006/main" xmlns:r="http://schemas.openxmlformats.org/officeDocument/2006/relationships" xmlns:p="http://schemas.openxmlformats.org/presentationml/2006/main">
+  <p:cSld>
+    <p:spTree>
+      <p:nvGrpSpPr>
+        <p:cNvPr id="1" name=""/>
+        <p:cNvGrpSpPr/>
+        <p:nvPr/>
+      </p:nvGrpSpPr>
+      <p:grpSpPr>
+        <a:xfrm>
+          <a:off x="0" y="0"/>
+          <a:ext cx="0" cy="0"/>
+          <a:chOff x="0" y="0"/>
+          <a:chExt cx="0" cy="0"/>
+        </a:xfrm>
+      </p:grpSpPr>
+      <p:sp>
+        <p:nvSpPr>
+          <p:cNvPr id="5" name="內容版面配置區 4"/>
+          <p:cNvSpPr>
+            <a:spLocks noGrp="1"/>
+          </p:cNvSpPr>
+          <p:nvPr>
+            <p:ph idx="1"/>
+          </p:nvPr>
+        </p:nvSpPr>
+        <p:spPr>
+          <a:xfrm>
+            <a:off x="0" y="1563638"/>
+            <a:ext cx="9144000" cy="1803647"/>
+          </a:xfrm>
+        </p:spPr>
+        <p:txBody>
+          <a:bodyPr anchor="ctr">
+            <a:normAutofit/>
+          </a:bodyPr>
+          <a:lstStyle/>
+          <a:p>
+            <a:pPr algn="ctr">
+              <a:buNone/>
+            </a:pPr>
+            <a:r>
+              <a:rPr lang="zh-CN" altLang="en-US" sz="4800" b="1" dirty="0">
+                <a:solidFill>
+                  <a:srgbClr val="000066"/>
+                </a:solidFill>
+                <a:latin typeface="Microsoft JhengHei" pitchFamily="34" charset="-120"/>
+                <a:ea typeface="Microsoft JhengHei" pitchFamily="34" charset="-120"/>
+              </a:rPr>
+              <a:t>主我來就袮  我今來就袮</a:t>
+            </a:r>
+            <a:endParaRPr lang="en-US" altLang="zh-CN" sz="4800" b="1" dirty="0">
+              <a:solidFill>
+                <a:srgbClr val="000066"/>
+              </a:solidFill>
+              <a:latin typeface="Microsoft JhengHei" pitchFamily="34" charset="-120"/>
+              <a:ea typeface="Microsoft JhengHei" pitchFamily="34" charset="-120"/>
+            </a:endParaRPr>
+          </a:p>
+          <a:p>
+            <a:pPr algn="ctr">
+              <a:buNone/>
+            </a:pPr>
+            <a:r>
+              <a:rPr lang="zh-CN" altLang="en-US" sz="4800" b="1" dirty="0">
+                <a:solidFill>
+                  <a:srgbClr val="000066"/>
+                </a:solidFill>
+                <a:latin typeface="Microsoft JhengHei" pitchFamily="34" charset="-120"/>
+                <a:ea typeface="Microsoft JhengHei" pitchFamily="34" charset="-120"/>
+              </a:rPr>
+              <a:t>救主所流的寶血</a:t>
+            </a:r>
+            <a:r>
+              <a:rPr lang="en-US" altLang="zh-CN" sz="4800" b="1" dirty="0">
+                <a:solidFill>
+                  <a:srgbClr val="000066"/>
+                </a:solidFill>
+                <a:latin typeface="Microsoft JhengHei" pitchFamily="34" charset="-120"/>
+                <a:ea typeface="Microsoft JhengHei" pitchFamily="34" charset="-120"/>
+              </a:rPr>
+              <a:t>  </a:t>
+            </a:r>
+            <a:r>
+              <a:rPr lang="zh-CN" altLang="en-US" sz="4800" b="1" dirty="0">
+                <a:solidFill>
+                  <a:srgbClr val="000066"/>
+                </a:solidFill>
+                <a:latin typeface="Microsoft JhengHei" pitchFamily="34" charset="-120"/>
+                <a:ea typeface="Microsoft JhengHei" pitchFamily="34" charset="-120"/>
+              </a:rPr>
+              <a:t>洗我罪惡清潔</a:t>
+            </a:r>
+            <a:endParaRPr lang="zh-TW" altLang="en-US" sz="4800" b="1" dirty="0">
+              <a:solidFill>
+                <a:srgbClr val="000066"/>
+              </a:solidFill>
+              <a:latin typeface="Microsoft JhengHei" pitchFamily="34" charset="-120"/>
+              <a:ea typeface="Microsoft JhengHei" pitchFamily="34" charset="-120"/>
+            </a:endParaRPr>
+          </a:p>
+        </p:txBody>
+      </p:sp>
+    </p:spTree>
+    <p:extLst>
+      <p:ext uri="{BB962C8B-B14F-4D97-AF65-F5344CB8AC3E}">
+        <p14:creationId xmlns:p14="http://schemas.microsoft.com/office/powerpoint/2010/main" val="1126589740"/>
+      </p:ext>
+    </p:extLst>
   </p:cSld>
   <p:clrMapOvr>
     <a:masterClrMapping/>
@@ -3294,195 +3793,135 @@
       </p:grpSpPr>
       <p:sp>
         <p:nvSpPr>
-          <p:cNvPr id="4" name="標題 3"/>
-          <p:cNvSpPr>
-            <a:spLocks noGrp="1"/>
-          </p:cNvSpPr>
-          <p:nvPr>
-            <p:ph type="title"/>
-          </p:nvPr>
-        </p:nvSpPr>
-        <p:spPr/>
-        <p:txBody>
-          <a:bodyPr>
+          <p:cNvPr id="5" name="內容版面配置區 4"/>
+          <p:cNvSpPr>
+            <a:spLocks noGrp="1"/>
+          </p:cNvSpPr>
+          <p:nvPr>
+            <p:ph idx="1"/>
+          </p:nvPr>
+        </p:nvSpPr>
+        <p:spPr>
+          <a:xfrm>
+            <a:off x="0" y="1563638"/>
+            <a:ext cx="9144000" cy="1803647"/>
+          </a:xfrm>
+        </p:spPr>
+        <p:txBody>
+          <a:bodyPr anchor="ctr">
             <a:normAutofit/>
           </a:bodyPr>
           <a:lstStyle/>
           <a:p>
-            <a:r>
-              <a:rPr lang="zh-CN" altLang="en-US" sz="3600" b="1" dirty="0">
+            <a:pPr algn="ctr">
+              <a:buNone/>
+            </a:pPr>
+            <a:r>
+              <a:rPr lang="zh-CN" altLang="en-US" sz="4800" b="1" dirty="0">
+                <a:solidFill>
+                  <a:srgbClr val="000066"/>
+                </a:solidFill>
                 <a:latin typeface="Microsoft JhengHei" pitchFamily="34" charset="-120"/>
                 <a:ea typeface="Microsoft JhengHei" pitchFamily="34" charset="-120"/>
               </a:rPr>
-              <a:t>主我來</a:t>
-            </a:r>
-            <a:r>
-              <a:rPr lang="zh-CN" altLang="en-US" sz="3600" b="1" dirty="0">
-                <a:latin typeface="Microsoft JhengHei" pitchFamily="34" charset="-120"/>
-                <a:ea typeface="Microsoft JhengHei" pitchFamily="34" charset="-120"/>
-              </a:rPr>
-              <a:t>就袮</a:t>
-            </a:r>
-            <a:endParaRPr lang="zh-TW" altLang="en-US" sz="3600" b="1" dirty="0">
+              <a:t>救主歡喜聲音 </a:t>
+            </a:r>
+            <a:endParaRPr lang="en-US" altLang="zh-CN" sz="4800" b="1" dirty="0" smtClean="0">
+              <a:solidFill>
+                <a:srgbClr val="000066"/>
+              </a:solidFill>
               <a:latin typeface="Microsoft JhengHei" pitchFamily="34" charset="-120"/>
               <a:ea typeface="Microsoft JhengHei" pitchFamily="34" charset="-120"/>
             </a:endParaRPr>
           </a:p>
-        </p:txBody>
-      </p:sp>
-      <p:sp>
-        <p:nvSpPr>
-          <p:cNvPr id="5" name="內容版面配置區 4"/>
-          <p:cNvSpPr>
-            <a:spLocks noGrp="1"/>
-          </p:cNvSpPr>
-          <p:nvPr>
-            <p:ph idx="1"/>
-          </p:nvPr>
-        </p:nvSpPr>
-        <p:spPr>
-          <a:xfrm>
-            <a:off x="0" y="1200150"/>
-            <a:ext cx="9144000" cy="3943349"/>
-          </a:xfrm>
-        </p:spPr>
-        <p:txBody>
-          <a:bodyPr>
-            <a:normAutofit fontScale="92500" lnSpcReduction="10000"/>
-          </a:bodyPr>
-          <a:lstStyle/>
           <a:p>
             <a:pPr algn="ctr">
               <a:buNone/>
             </a:pPr>
             <a:r>
-              <a:rPr lang="zh-CN" altLang="en-US" sz="4800" b="1" dirty="0">
+              <a:rPr lang="zh-CN" altLang="en-US" sz="4800" b="1" dirty="0" smtClean="0">
+                <a:solidFill>
+                  <a:srgbClr val="000066"/>
+                </a:solidFill>
                 <a:latin typeface="Microsoft JhengHei" pitchFamily="34" charset="-120"/>
                 <a:ea typeface="Microsoft JhengHei" pitchFamily="34" charset="-120"/>
               </a:rPr>
-              <a:t>我這可惡罪人  行善毫無能力</a:t>
+              <a:t>我</a:t>
+            </a:r>
+            <a:r>
+              <a:rPr lang="zh-CN" altLang="en-US" sz="4800" b="1" dirty="0">
+                <a:solidFill>
+                  <a:srgbClr val="000066"/>
+                </a:solidFill>
+                <a:latin typeface="Microsoft JhengHei" pitchFamily="34" charset="-120"/>
+                <a:ea typeface="Microsoft JhengHei" pitchFamily="34" charset="-120"/>
+              </a:rPr>
+              <a:t>今願前來</a:t>
+            </a:r>
+            <a:r>
+              <a:rPr lang="zh-CN" altLang="en-US" sz="4800" b="1" dirty="0" smtClean="0">
+                <a:solidFill>
+                  <a:srgbClr val="000066"/>
+                </a:solidFill>
+                <a:latin typeface="Microsoft JhengHei" pitchFamily="34" charset="-120"/>
+                <a:ea typeface="Microsoft JhengHei" pitchFamily="34" charset="-120"/>
+              </a:rPr>
+              <a:t>聽</a:t>
             </a:r>
             <a:endParaRPr lang="en-US" altLang="zh-CN" sz="4800" b="1" dirty="0">
+              <a:solidFill>
+                <a:srgbClr val="000066"/>
+              </a:solidFill>
               <a:latin typeface="Microsoft JhengHei" pitchFamily="34" charset="-120"/>
               <a:ea typeface="Microsoft JhengHei" pitchFamily="34" charset="-120"/>
             </a:endParaRPr>
           </a:p>
-          <a:p>
-            <a:pPr algn="ctr">
-              <a:buNone/>
-            </a:pPr>
-            <a:r>
-              <a:rPr lang="zh-CN" altLang="en-US" sz="4800" b="1" dirty="0">
-                <a:latin typeface="Microsoft JhengHei" pitchFamily="34" charset="-120"/>
-                <a:ea typeface="Microsoft JhengHei" pitchFamily="34" charset="-120"/>
-              </a:rPr>
-              <a:t>惟主寶血永無更變</a:t>
-            </a:r>
-            <a:endParaRPr lang="en-US" altLang="zh-CN" sz="4800" b="1" dirty="0">
-              <a:latin typeface="Microsoft JhengHei" pitchFamily="34" charset="-120"/>
-              <a:ea typeface="Microsoft JhengHei" pitchFamily="34" charset="-120"/>
+        </p:txBody>
+      </p:sp>
+      <p:sp>
+        <p:nvSpPr>
+          <p:cNvPr id="3" name="TextBox 2"/>
+          <p:cNvSpPr txBox="1"/>
+          <p:nvPr/>
+        </p:nvSpPr>
+        <p:spPr>
+          <a:xfrm>
+            <a:off x="827584" y="1661525"/>
+            <a:ext cx="936104" cy="830997"/>
+          </a:xfrm>
+          <a:prstGeom prst="rect">
+            <a:avLst/>
+          </a:prstGeom>
+          <a:noFill/>
+        </p:spPr>
+        <p:txBody>
+          <a:bodyPr wrap="square" rtlCol="0">
+            <a:spAutoFit/>
+          </a:bodyPr>
+          <a:lstStyle/>
+          <a:p>
+            <a:r>
+              <a:rPr lang="en-US" sz="4800" b="1" dirty="0" smtClean="0">
+                <a:solidFill>
+                  <a:srgbClr val="000066"/>
+                </a:solidFill>
+              </a:rPr>
+              <a:t>1.</a:t>
+            </a:r>
+            <a:endParaRPr lang="vi-VN" sz="4800" b="1" dirty="0">
+              <a:solidFill>
+                <a:srgbClr val="000066"/>
+              </a:solidFill>
             </a:endParaRPr>
           </a:p>
-          <a:p>
-            <a:pPr algn="ctr">
-              <a:buNone/>
-            </a:pPr>
-            <a:r>
-              <a:rPr lang="zh-CN" altLang="en-US" sz="4800" b="1" dirty="0">
-                <a:latin typeface="Microsoft JhengHei" pitchFamily="34" charset="-120"/>
-                <a:ea typeface="Microsoft JhengHei" pitchFamily="34" charset="-120"/>
-              </a:rPr>
-              <a:t>洗淨心裡罪愆</a:t>
-            </a:r>
-            <a:endParaRPr lang="en-US" altLang="zh-CN" sz="4800" b="1" dirty="0">
-              <a:latin typeface="Microsoft JhengHei" pitchFamily="34" charset="-120"/>
-              <a:ea typeface="Microsoft JhengHei" pitchFamily="34" charset="-120"/>
-            </a:endParaRPr>
-          </a:p>
-          <a:p>
-            <a:pPr algn="ctr">
-              <a:buNone/>
-            </a:pPr>
-            <a:r>
-              <a:rPr lang="zh-CN" altLang="en-US" sz="4800" b="1" dirty="0">
-                <a:latin typeface="Microsoft JhengHei" pitchFamily="34" charset="-120"/>
-                <a:ea typeface="Microsoft JhengHei" pitchFamily="34" charset="-120"/>
-              </a:rPr>
-              <a:t>主我來</a:t>
-            </a:r>
-            <a:r>
-              <a:rPr lang="zh-CN" altLang="en-US" sz="4800" b="1" dirty="0">
-                <a:latin typeface="Microsoft JhengHei" pitchFamily="34" charset="-120"/>
-                <a:ea typeface="Microsoft JhengHei" pitchFamily="34" charset="-120"/>
-              </a:rPr>
-              <a:t>就</a:t>
-            </a:r>
-            <a:r>
-              <a:rPr lang="zh-CN" altLang="en-US" sz="4800" b="1" dirty="0" smtClean="0">
-                <a:latin typeface="Microsoft JhengHei" pitchFamily="34" charset="-120"/>
-                <a:ea typeface="Microsoft JhengHei" pitchFamily="34" charset="-120"/>
-              </a:rPr>
-              <a:t>袮  我</a:t>
-            </a:r>
-            <a:r>
-              <a:rPr lang="zh-CN" altLang="en-US" sz="4800" b="1" dirty="0">
-                <a:latin typeface="Microsoft JhengHei" pitchFamily="34" charset="-120"/>
-                <a:ea typeface="Microsoft JhengHei" pitchFamily="34" charset="-120"/>
-              </a:rPr>
-              <a:t>今來</a:t>
-            </a:r>
-            <a:r>
-              <a:rPr lang="zh-CN" altLang="en-US" sz="4800" b="1" dirty="0">
-                <a:latin typeface="Microsoft JhengHei" pitchFamily="34" charset="-120"/>
-                <a:ea typeface="Microsoft JhengHei" pitchFamily="34" charset="-120"/>
-              </a:rPr>
-              <a:t>就袮</a:t>
-            </a:r>
-            <a:endParaRPr lang="en-US" altLang="zh-CN" sz="4800" b="1" dirty="0">
-              <a:latin typeface="Microsoft JhengHei" pitchFamily="34" charset="-120"/>
-              <a:ea typeface="Microsoft JhengHei" pitchFamily="34" charset="-120"/>
-            </a:endParaRPr>
-          </a:p>
-          <a:p>
-            <a:pPr algn="ctr">
-              <a:buNone/>
-            </a:pPr>
-            <a:r>
-              <a:rPr lang="zh-CN" altLang="en-US" sz="4800" b="1" dirty="0">
-                <a:latin typeface="Microsoft JhengHei" pitchFamily="34" charset="-120"/>
-                <a:ea typeface="Microsoft JhengHei" pitchFamily="34" charset="-120"/>
-              </a:rPr>
-              <a:t>救主所流的寶血</a:t>
-            </a:r>
-            <a:r>
-              <a:rPr lang="en-US" altLang="zh-CN" sz="4800" b="1" dirty="0">
-                <a:latin typeface="Microsoft JhengHei" pitchFamily="34" charset="-120"/>
-                <a:ea typeface="Microsoft JhengHei" pitchFamily="34" charset="-120"/>
-              </a:rPr>
-              <a:t>  </a:t>
-            </a:r>
-            <a:r>
-              <a:rPr lang="zh-CN" altLang="en-US" sz="4800" b="1" dirty="0">
-                <a:latin typeface="Microsoft JhengHei" pitchFamily="34" charset="-120"/>
-                <a:ea typeface="Microsoft JhengHei" pitchFamily="34" charset="-120"/>
-              </a:rPr>
-              <a:t>洗我罪惡清</a:t>
-            </a:r>
-            <a:r>
-              <a:rPr lang="zh-CN" altLang="en-US" sz="4800" b="1" dirty="0" smtClean="0">
-                <a:latin typeface="Microsoft JhengHei" pitchFamily="34" charset="-120"/>
-                <a:ea typeface="Microsoft JhengHei" pitchFamily="34" charset="-120"/>
-              </a:rPr>
-              <a:t>潔</a:t>
-            </a:r>
-            <a:endParaRPr lang="zh-TW" altLang="en-US" sz="4800" b="1" dirty="0">
-              <a:latin typeface="Microsoft JhengHei" pitchFamily="34" charset="-120"/>
-              <a:ea typeface="Microsoft JhengHei" pitchFamily="34" charset="-120"/>
-            </a:endParaRPr>
-          </a:p>
         </p:txBody>
       </p:sp>
     </p:spTree>
+    <p:extLst>
+      <p:ext uri="{BB962C8B-B14F-4D97-AF65-F5344CB8AC3E}">
+        <p14:creationId xmlns:p14="http://schemas.microsoft.com/office/powerpoint/2010/main" val="2418672279"/>
+      </p:ext>
+    </p:extLst>
   </p:cSld>
   <p:clrMapOvr>
     <a:masterClrMapping/>
@@ -3509,217 +3948,115 @@
       </p:grpSpPr>
       <p:sp>
         <p:nvSpPr>
-          <p:cNvPr id="4" name="標題 3"/>
-          <p:cNvSpPr>
-            <a:spLocks noGrp="1"/>
-          </p:cNvSpPr>
-          <p:nvPr>
-            <p:ph type="title"/>
-          </p:nvPr>
-        </p:nvSpPr>
-        <p:spPr/>
-        <p:txBody>
-          <a:bodyPr>
+          <p:cNvPr id="5" name="內容版面配置區 4"/>
+          <p:cNvSpPr>
+            <a:spLocks noGrp="1"/>
+          </p:cNvSpPr>
+          <p:nvPr>
+            <p:ph idx="1"/>
+          </p:nvPr>
+        </p:nvSpPr>
+        <p:spPr>
+          <a:xfrm>
+            <a:off x="0" y="1563638"/>
+            <a:ext cx="9144000" cy="1803647"/>
+          </a:xfrm>
+        </p:spPr>
+        <p:txBody>
+          <a:bodyPr anchor="ctr">
             <a:normAutofit/>
           </a:bodyPr>
           <a:lstStyle/>
           <a:p>
-            <a:r>
-              <a:rPr lang="zh-CN" altLang="en-US" sz="3600" b="1" dirty="0">
+            <a:pPr algn="ctr">
+              <a:buNone/>
+            </a:pPr>
+            <a:r>
+              <a:rPr lang="zh-CN" altLang="en-US" sz="4800" b="1" dirty="0">
+                <a:solidFill>
+                  <a:srgbClr val="000066"/>
+                </a:solidFill>
                 <a:latin typeface="Microsoft JhengHei" pitchFamily="34" charset="-120"/>
                 <a:ea typeface="Microsoft JhengHei" pitchFamily="34" charset="-120"/>
               </a:rPr>
-              <a:t>主我來</a:t>
-            </a:r>
-            <a:r>
-              <a:rPr lang="zh-CN" altLang="en-US" sz="3600" b="1" dirty="0">
-                <a:latin typeface="Microsoft JhengHei" pitchFamily="34" charset="-120"/>
-                <a:ea typeface="Microsoft JhengHei" pitchFamily="34" charset="-120"/>
-              </a:rPr>
-              <a:t>就袮</a:t>
-            </a:r>
-            <a:endParaRPr lang="zh-TW" altLang="en-US" sz="3600" b="1" dirty="0">
+              <a:t>為我罪惡流出寶血</a:t>
+            </a:r>
+            <a:endParaRPr lang="en-US" altLang="zh-CN" sz="4800" b="1" dirty="0">
+              <a:solidFill>
+                <a:srgbClr val="000066"/>
+              </a:solidFill>
               <a:latin typeface="Microsoft JhengHei" pitchFamily="34" charset="-120"/>
               <a:ea typeface="Microsoft JhengHei" pitchFamily="34" charset="-120"/>
             </a:endParaRPr>
           </a:p>
-        </p:txBody>
-      </p:sp>
-      <p:sp>
-        <p:nvSpPr>
-          <p:cNvPr id="5" name="內容版面配置區 4"/>
-          <p:cNvSpPr>
-            <a:spLocks noGrp="1"/>
-          </p:cNvSpPr>
-          <p:nvPr>
-            <p:ph idx="1"/>
-          </p:nvPr>
-        </p:nvSpPr>
-        <p:spPr>
-          <a:xfrm>
-            <a:off x="0" y="1200150"/>
-            <a:ext cx="9144000" cy="3943349"/>
-          </a:xfrm>
-        </p:spPr>
-        <p:txBody>
-          <a:bodyPr>
-            <a:noAutofit/>
-          </a:bodyPr>
-          <a:lstStyle/>
           <a:p>
             <a:pPr algn="ctr">
-              <a:lnSpc>
-                <a:spcPct val="90000"/>
-              </a:lnSpc>
               <a:buNone/>
             </a:pPr>
             <a:r>
-              <a:rPr lang="zh-CN" altLang="en-US" sz="4400" b="1" dirty="0">
+              <a:rPr lang="zh-CN" altLang="en-US" sz="4800" b="1" dirty="0">
+                <a:solidFill>
+                  <a:srgbClr val="000066"/>
+                </a:solidFill>
                 <a:latin typeface="Microsoft JhengHei" pitchFamily="34" charset="-120"/>
                 <a:ea typeface="Microsoft JhengHei" pitchFamily="34" charset="-120"/>
               </a:rPr>
-              <a:t>求主賞賜聖靈</a:t>
-            </a:r>
-            <a:r>
-              <a:rPr lang="en-US" altLang="zh-CN" sz="4400" b="1" dirty="0">
-                <a:latin typeface="Microsoft JhengHei" pitchFamily="34" charset="-120"/>
-                <a:ea typeface="Microsoft JhengHei" pitchFamily="34" charset="-120"/>
-              </a:rPr>
-              <a:t>  </a:t>
-            </a:r>
-            <a:r>
-              <a:rPr lang="zh-CN" altLang="en-US" sz="4400" b="1" dirty="0">
-                <a:latin typeface="Microsoft JhengHei" pitchFamily="34" charset="-120"/>
-                <a:ea typeface="Microsoft JhengHei" pitchFamily="34" charset="-120"/>
-              </a:rPr>
-              <a:t>激發愛主熱心</a:t>
-            </a:r>
-            <a:endParaRPr lang="en-US" altLang="zh-CN" sz="4400" b="1" dirty="0">
+              <a:t>使我能得生命</a:t>
+            </a:r>
+            <a:endParaRPr lang="en-US" altLang="zh-CN" sz="4800" b="1" dirty="0">
+              <a:solidFill>
+                <a:srgbClr val="000066"/>
+              </a:solidFill>
               <a:latin typeface="Microsoft JhengHei" pitchFamily="34" charset="-120"/>
               <a:ea typeface="Microsoft JhengHei" pitchFamily="34" charset="-120"/>
             </a:endParaRPr>
           </a:p>
-          <a:p>
-            <a:pPr algn="ctr">
-              <a:lnSpc>
-                <a:spcPct val="90000"/>
-              </a:lnSpc>
-              <a:buNone/>
-            </a:pPr>
-            <a:r>
-              <a:rPr lang="zh-CN" altLang="en-US" sz="4400" b="1" dirty="0">
-                <a:latin typeface="Microsoft JhengHei" pitchFamily="34" charset="-120"/>
-                <a:ea typeface="Microsoft JhengHei" pitchFamily="34" charset="-120"/>
-              </a:rPr>
-              <a:t>引導罪人歸向耶穌</a:t>
-            </a:r>
-            <a:endParaRPr lang="en-US" altLang="zh-CN" sz="4400" b="1" dirty="0">
-              <a:latin typeface="Microsoft JhengHei" pitchFamily="34" charset="-120"/>
-              <a:ea typeface="Microsoft JhengHei" pitchFamily="34" charset="-120"/>
+        </p:txBody>
+      </p:sp>
+      <p:sp>
+        <p:nvSpPr>
+          <p:cNvPr id="3" name="TextBox 2"/>
+          <p:cNvSpPr txBox="1"/>
+          <p:nvPr/>
+        </p:nvSpPr>
+        <p:spPr>
+          <a:xfrm>
+            <a:off x="827584" y="1661525"/>
+            <a:ext cx="936104" cy="830997"/>
+          </a:xfrm>
+          <a:prstGeom prst="rect">
+            <a:avLst/>
+          </a:prstGeom>
+          <a:noFill/>
+        </p:spPr>
+        <p:txBody>
+          <a:bodyPr wrap="square" rtlCol="0">
+            <a:spAutoFit/>
+          </a:bodyPr>
+          <a:lstStyle/>
+          <a:p>
+            <a:r>
+              <a:rPr lang="en-US" sz="4800" b="1" dirty="0" smtClean="0">
+                <a:solidFill>
+                  <a:srgbClr val="000066"/>
+                </a:solidFill>
+              </a:rPr>
+              <a:t>1.</a:t>
+            </a:r>
+            <a:endParaRPr lang="vi-VN" sz="4800" b="1" dirty="0">
+              <a:solidFill>
+                <a:srgbClr val="000066"/>
+              </a:solidFill>
             </a:endParaRPr>
           </a:p>
-          <a:p>
-            <a:pPr algn="ctr">
-              <a:lnSpc>
-                <a:spcPct val="90000"/>
-              </a:lnSpc>
-              <a:buNone/>
-            </a:pPr>
-            <a:r>
-              <a:rPr lang="zh-CN" altLang="en-US" sz="4400" b="1" dirty="0">
-                <a:latin typeface="Microsoft JhengHei" pitchFamily="34" charset="-120"/>
-                <a:ea typeface="Microsoft JhengHei" pitchFamily="34" charset="-120"/>
-              </a:rPr>
-              <a:t>使主教會復興</a:t>
-            </a:r>
-            <a:endParaRPr lang="en-US" altLang="zh-CN" sz="4400" b="1" dirty="0">
-              <a:latin typeface="Microsoft JhengHei" pitchFamily="34" charset="-120"/>
-              <a:ea typeface="Microsoft JhengHei" pitchFamily="34" charset="-120"/>
-            </a:endParaRPr>
-          </a:p>
-          <a:p>
-            <a:pPr algn="ctr">
-              <a:lnSpc>
-                <a:spcPct val="90000"/>
-              </a:lnSpc>
-              <a:buNone/>
-            </a:pPr>
-            <a:r>
-              <a:rPr lang="zh-CN" altLang="en-US" sz="4400" b="1" dirty="0">
-                <a:latin typeface="Microsoft JhengHei" pitchFamily="34" charset="-120"/>
-                <a:ea typeface="Microsoft JhengHei" pitchFamily="34" charset="-120"/>
-              </a:rPr>
-              <a:t>主我來</a:t>
-            </a:r>
-            <a:r>
-              <a:rPr lang="zh-CN" altLang="en-US" sz="4400" b="1" dirty="0">
-                <a:latin typeface="Microsoft JhengHei" pitchFamily="34" charset="-120"/>
-                <a:ea typeface="Microsoft JhengHei" pitchFamily="34" charset="-120"/>
-              </a:rPr>
-              <a:t>就</a:t>
-            </a:r>
-            <a:r>
-              <a:rPr lang="zh-CN" altLang="en-US" sz="4400" b="1" dirty="0" smtClean="0">
-                <a:latin typeface="Microsoft JhengHei" pitchFamily="34" charset="-120"/>
-                <a:ea typeface="Microsoft JhengHei" pitchFamily="34" charset="-120"/>
-              </a:rPr>
-              <a:t>袮  我</a:t>
-            </a:r>
-            <a:r>
-              <a:rPr lang="zh-CN" altLang="en-US" sz="4400" b="1" dirty="0">
-                <a:latin typeface="Microsoft JhengHei" pitchFamily="34" charset="-120"/>
-                <a:ea typeface="Microsoft JhengHei" pitchFamily="34" charset="-120"/>
-              </a:rPr>
-              <a:t>今來</a:t>
-            </a:r>
-            <a:r>
-              <a:rPr lang="zh-CN" altLang="en-US" sz="4400" b="1" dirty="0">
-                <a:latin typeface="Microsoft JhengHei" pitchFamily="34" charset="-120"/>
-                <a:ea typeface="Microsoft JhengHei" pitchFamily="34" charset="-120"/>
-              </a:rPr>
-              <a:t>就袮</a:t>
-            </a:r>
-            <a:endParaRPr lang="en-US" altLang="zh-CN" sz="4400" b="1" dirty="0">
-              <a:latin typeface="Microsoft JhengHei" pitchFamily="34" charset="-120"/>
-              <a:ea typeface="Microsoft JhengHei" pitchFamily="34" charset="-120"/>
-            </a:endParaRPr>
-          </a:p>
-          <a:p>
-            <a:pPr algn="ctr">
-              <a:lnSpc>
-                <a:spcPct val="90000"/>
-              </a:lnSpc>
-              <a:buNone/>
-            </a:pPr>
-            <a:r>
-              <a:rPr lang="zh-CN" altLang="en-US" sz="4400" b="1" dirty="0">
-                <a:latin typeface="Microsoft JhengHei" pitchFamily="34" charset="-120"/>
-                <a:ea typeface="Microsoft JhengHei" pitchFamily="34" charset="-120"/>
-              </a:rPr>
-              <a:t>救主所流的寶血</a:t>
-            </a:r>
-            <a:r>
-              <a:rPr lang="en-US" altLang="zh-CN" sz="4400" b="1" dirty="0">
-                <a:latin typeface="Microsoft JhengHei" pitchFamily="34" charset="-120"/>
-                <a:ea typeface="Microsoft JhengHei" pitchFamily="34" charset="-120"/>
-              </a:rPr>
-              <a:t>  </a:t>
-            </a:r>
-            <a:r>
-              <a:rPr lang="zh-CN" altLang="en-US" sz="4400" b="1" dirty="0">
-                <a:latin typeface="Microsoft JhengHei" pitchFamily="34" charset="-120"/>
-                <a:ea typeface="Microsoft JhengHei" pitchFamily="34" charset="-120"/>
-              </a:rPr>
-              <a:t>洗我罪惡清潔</a:t>
-            </a:r>
-            <a:endParaRPr lang="zh-TW" altLang="en-US" sz="4400" b="1" dirty="0">
-              <a:latin typeface="Microsoft JhengHei" pitchFamily="34" charset="-120"/>
-              <a:ea typeface="Microsoft JhengHei" pitchFamily="34" charset="-120"/>
-            </a:endParaRPr>
-          </a:p>
         </p:txBody>
       </p:sp>
     </p:spTree>
+    <p:extLst>
+      <p:ext uri="{BB962C8B-B14F-4D97-AF65-F5344CB8AC3E}">
+        <p14:creationId xmlns:p14="http://schemas.microsoft.com/office/powerpoint/2010/main" val="1101287266"/>
+      </p:ext>
+    </p:extLst>
   </p:cSld>
   <p:clrMapOvr>
     <a:masterClrMapping/>
@@ -3746,79 +4083,66 @@
       </p:grpSpPr>
       <p:sp>
         <p:nvSpPr>
-          <p:cNvPr id="4" name="標題 3"/>
-          <p:cNvSpPr>
-            <a:spLocks noGrp="1"/>
-          </p:cNvSpPr>
-          <p:nvPr>
-            <p:ph type="title"/>
-          </p:nvPr>
-        </p:nvSpPr>
-        <p:spPr/>
-        <p:txBody>
-          <a:bodyPr>
+          <p:cNvPr id="5" name="內容版面配置區 4"/>
+          <p:cNvSpPr>
+            <a:spLocks noGrp="1"/>
+          </p:cNvSpPr>
+          <p:nvPr>
+            <p:ph idx="1"/>
+          </p:nvPr>
+        </p:nvSpPr>
+        <p:spPr>
+          <a:xfrm>
+            <a:off x="0" y="1563638"/>
+            <a:ext cx="9144000" cy="1803647"/>
+          </a:xfrm>
+        </p:spPr>
+        <p:txBody>
+          <a:bodyPr anchor="ctr">
             <a:normAutofit/>
           </a:bodyPr>
           <a:lstStyle/>
           <a:p>
-            <a:r>
-              <a:rPr lang="zh-CN" altLang="en-US" sz="3600" b="1" dirty="0">
+            <a:pPr algn="ctr">
+              <a:buNone/>
+            </a:pPr>
+            <a:r>
+              <a:rPr lang="zh-CN" altLang="en-US" sz="4800" b="1" dirty="0">
+                <a:solidFill>
+                  <a:srgbClr val="000066"/>
+                </a:solidFill>
                 <a:latin typeface="Microsoft JhengHei" pitchFamily="34" charset="-120"/>
                 <a:ea typeface="Microsoft JhengHei" pitchFamily="34" charset="-120"/>
               </a:rPr>
-              <a:t>主我來</a:t>
-            </a:r>
-            <a:r>
-              <a:rPr lang="zh-CN" altLang="en-US" sz="3600" b="1" dirty="0">
-                <a:latin typeface="Microsoft JhengHei" pitchFamily="34" charset="-120"/>
-                <a:ea typeface="Microsoft JhengHei" pitchFamily="34" charset="-120"/>
-              </a:rPr>
-              <a:t>就袮</a:t>
-            </a:r>
-            <a:endParaRPr lang="zh-TW" altLang="en-US" sz="3600" b="1" dirty="0">
+              <a:t>主我來就袮  我今來就袮</a:t>
+            </a:r>
+            <a:endParaRPr lang="en-US" altLang="zh-CN" sz="4800" b="1" dirty="0">
+              <a:solidFill>
+                <a:srgbClr val="000066"/>
+              </a:solidFill>
               <a:latin typeface="Microsoft JhengHei" pitchFamily="34" charset="-120"/>
               <a:ea typeface="Microsoft JhengHei" pitchFamily="34" charset="-120"/>
             </a:endParaRPr>
           </a:p>
-        </p:txBody>
-      </p:sp>
-      <p:sp>
-        <p:nvSpPr>
-          <p:cNvPr id="5" name="內容版面配置區 4"/>
-          <p:cNvSpPr>
-            <a:spLocks noGrp="1"/>
-          </p:cNvSpPr>
-          <p:nvPr>
-            <p:ph idx="1"/>
-          </p:nvPr>
-        </p:nvSpPr>
-        <p:spPr>
-          <a:xfrm>
-            <a:off x="0" y="1200150"/>
-            <a:ext cx="9144000" cy="3943349"/>
-          </a:xfrm>
-        </p:spPr>
-        <p:txBody>
-          <a:bodyPr>
-            <a:normAutofit fontScale="92500" lnSpcReduction="20000"/>
-          </a:bodyPr>
-          <a:lstStyle/>
           <a:p>
             <a:pPr algn="ctr">
-              <a:lnSpc>
-                <a:spcPct val="110000"/>
-              </a:lnSpc>
               <a:buNone/>
             </a:pPr>
             <a:r>
               <a:rPr lang="zh-CN" altLang="en-US" sz="4800" b="1" dirty="0">
+                <a:solidFill>
+                  <a:srgbClr val="000066"/>
+                </a:solidFill>
                 <a:latin typeface="Microsoft JhengHei" pitchFamily="34" charset="-120"/>
                 <a:ea typeface="Microsoft JhengHei" pitchFamily="34" charset="-120"/>
               </a:rPr>
-              <a:t>美哉贖罪寶血</a:t>
+              <a:t>救主所流的寶血</a:t>
             </a:r>
             <a:r>
               <a:rPr lang="en-US" altLang="zh-CN" sz="4800" b="1" dirty="0">
+                <a:solidFill>
+                  <a:srgbClr val="000066"/>
+                </a:solidFill>
                 <a:latin typeface="Microsoft JhengHei" pitchFamily="34" charset="-120"/>
                 <a:ea typeface="Microsoft JhengHei" pitchFamily="34" charset="-120"/>
               </a:rPr>
@@ -3826,143 +4150,745 @@
             </a:r>
             <a:r>
               <a:rPr lang="zh-CN" altLang="en-US" sz="4800" b="1" dirty="0">
+                <a:solidFill>
+                  <a:srgbClr val="000066"/>
+                </a:solidFill>
                 <a:latin typeface="Microsoft JhengHei" pitchFamily="34" charset="-120"/>
                 <a:ea typeface="Microsoft JhengHei" pitchFamily="34" charset="-120"/>
               </a:rPr>
-              <a:t>大哉十架能力</a:t>
-            </a:r>
-            <a:endParaRPr lang="en-US" altLang="zh-CN" sz="4800" b="1" dirty="0">
+              <a:t>洗我罪惡清潔</a:t>
+            </a:r>
+            <a:endParaRPr lang="zh-TW" altLang="en-US" sz="4800" b="1" dirty="0">
+              <a:solidFill>
+                <a:srgbClr val="000066"/>
+              </a:solidFill>
               <a:latin typeface="Microsoft JhengHei" pitchFamily="34" charset="-120"/>
               <a:ea typeface="Microsoft JhengHei" pitchFamily="34" charset="-120"/>
             </a:endParaRPr>
           </a:p>
+        </p:txBody>
+      </p:sp>
+    </p:spTree>
+    <p:extLst>
+      <p:ext uri="{BB962C8B-B14F-4D97-AF65-F5344CB8AC3E}">
+        <p14:creationId xmlns:p14="http://schemas.microsoft.com/office/powerpoint/2010/main" val="300036878"/>
+      </p:ext>
+    </p:extLst>
+  </p:cSld>
+  <p:clrMapOvr>
+    <a:masterClrMapping/>
+  </p:clrMapOvr>
+</p:sld>
+</file>
+
+<file path=ppt/slides/slide5.xml><?xml version="1.0" encoding="utf-8"?>
+<p:sld xmlns:a="http://schemas.openxmlformats.org/drawingml/2006/main" xmlns:r="http://schemas.openxmlformats.org/officeDocument/2006/relationships" xmlns:p="http://schemas.openxmlformats.org/presentationml/2006/main">
+  <p:cSld>
+    <p:spTree>
+      <p:nvGrpSpPr>
+        <p:cNvPr id="1" name=""/>
+        <p:cNvGrpSpPr/>
+        <p:nvPr/>
+      </p:nvGrpSpPr>
+      <p:grpSpPr>
+        <a:xfrm>
+          <a:off x="0" y="0"/>
+          <a:ext cx="0" cy="0"/>
+          <a:chOff x="0" y="0"/>
+          <a:chExt cx="0" cy="0"/>
+        </a:xfrm>
+      </p:grpSpPr>
+      <p:sp>
+        <p:nvSpPr>
+          <p:cNvPr id="5" name="內容版面配置區 4"/>
+          <p:cNvSpPr>
+            <a:spLocks noGrp="1"/>
+          </p:cNvSpPr>
+          <p:nvPr>
+            <p:ph idx="1"/>
+          </p:nvPr>
+        </p:nvSpPr>
+        <p:spPr>
+          <a:xfrm>
+            <a:off x="0" y="1563638"/>
+            <a:ext cx="9144000" cy="1803647"/>
+          </a:xfrm>
+        </p:spPr>
+        <p:txBody>
+          <a:bodyPr anchor="ctr">
+            <a:normAutofit/>
+          </a:bodyPr>
+          <a:lstStyle/>
           <a:p>
             <a:pPr algn="ctr">
-              <a:lnSpc>
-                <a:spcPct val="110000"/>
-              </a:lnSpc>
               <a:buNone/>
             </a:pPr>
             <a:r>
               <a:rPr lang="zh-CN" altLang="en-US" sz="4800" b="1" dirty="0">
+                <a:solidFill>
+                  <a:srgbClr val="000066"/>
+                </a:solidFill>
                 <a:latin typeface="Microsoft JhengHei" pitchFamily="34" charset="-120"/>
                 <a:ea typeface="Microsoft JhengHei" pitchFamily="34" charset="-120"/>
               </a:rPr>
-              <a:t>奇哉耶穌替我受死</a:t>
-            </a:r>
-            <a:endParaRPr lang="en-US" altLang="zh-CN" sz="4800" b="1" dirty="0">
+              <a:t>我這可惡罪人  </a:t>
+            </a:r>
+            <a:endParaRPr lang="en-US" altLang="zh-CN" sz="4800" b="1" dirty="0" smtClean="0">
+              <a:solidFill>
+                <a:srgbClr val="000066"/>
+              </a:solidFill>
               <a:latin typeface="Microsoft JhengHei" pitchFamily="34" charset="-120"/>
               <a:ea typeface="Microsoft JhengHei" pitchFamily="34" charset="-120"/>
             </a:endParaRPr>
           </a:p>
           <a:p>
             <a:pPr algn="ctr">
-              <a:lnSpc>
-                <a:spcPct val="110000"/>
-              </a:lnSpc>
               <a:buNone/>
             </a:pPr>
             <a:r>
-              <a:rPr lang="zh-CN" altLang="en-US" sz="4800" b="1" dirty="0">
+              <a:rPr lang="zh-CN" altLang="en-US" sz="4800" b="1" dirty="0" smtClean="0">
+                <a:solidFill>
+                  <a:srgbClr val="000066"/>
+                </a:solidFill>
                 <a:latin typeface="Microsoft JhengHei" pitchFamily="34" charset="-120"/>
                 <a:ea typeface="Microsoft JhengHei" pitchFamily="34" charset="-120"/>
               </a:rPr>
-              <a:t>我要愛主到底</a:t>
+              <a:t>行</a:t>
+            </a:r>
+            <a:r>
+              <a:rPr lang="zh-CN" altLang="en-US" sz="4800" b="1" dirty="0">
+                <a:solidFill>
+                  <a:srgbClr val="000066"/>
+                </a:solidFill>
+                <a:latin typeface="Microsoft JhengHei" pitchFamily="34" charset="-120"/>
+                <a:ea typeface="Microsoft JhengHei" pitchFamily="34" charset="-120"/>
+              </a:rPr>
+              <a:t>善毫無能力</a:t>
             </a:r>
             <a:endParaRPr lang="en-US" altLang="zh-CN" sz="4800" b="1" dirty="0">
+              <a:solidFill>
+                <a:srgbClr val="000066"/>
+              </a:solidFill>
               <a:latin typeface="Microsoft JhengHei" pitchFamily="34" charset="-120"/>
               <a:ea typeface="Microsoft JhengHei" pitchFamily="34" charset="-120"/>
             </a:endParaRPr>
           </a:p>
+        </p:txBody>
+      </p:sp>
+      <p:sp>
+        <p:nvSpPr>
+          <p:cNvPr id="3" name="TextBox 2"/>
+          <p:cNvSpPr txBox="1"/>
+          <p:nvPr/>
+        </p:nvSpPr>
+        <p:spPr>
+          <a:xfrm>
+            <a:off x="827584" y="1661525"/>
+            <a:ext cx="936104" cy="830997"/>
+          </a:xfrm>
+          <a:prstGeom prst="rect">
+            <a:avLst/>
+          </a:prstGeom>
+          <a:noFill/>
+        </p:spPr>
+        <p:txBody>
+          <a:bodyPr wrap="square" rtlCol="0">
+            <a:spAutoFit/>
+          </a:bodyPr>
+          <a:lstStyle/>
+          <a:p>
+            <a:r>
+              <a:rPr lang="en-US" sz="4800" b="1" dirty="0">
+                <a:solidFill>
+                  <a:srgbClr val="000066"/>
+                </a:solidFill>
+              </a:rPr>
+              <a:t>2</a:t>
+            </a:r>
+            <a:r>
+              <a:rPr lang="en-US" sz="4800" b="1" dirty="0" smtClean="0">
+                <a:solidFill>
+                  <a:srgbClr val="000066"/>
+                </a:solidFill>
+              </a:rPr>
+              <a:t>.</a:t>
+            </a:r>
+            <a:endParaRPr lang="vi-VN" sz="4800" b="1" dirty="0">
+              <a:solidFill>
+                <a:srgbClr val="000066"/>
+              </a:solidFill>
+            </a:endParaRPr>
+          </a:p>
+        </p:txBody>
+      </p:sp>
+    </p:spTree>
+    <p:extLst>
+      <p:ext uri="{BB962C8B-B14F-4D97-AF65-F5344CB8AC3E}">
+        <p14:creationId xmlns:p14="http://schemas.microsoft.com/office/powerpoint/2010/main" val="2760712706"/>
+      </p:ext>
+    </p:extLst>
+  </p:cSld>
+  <p:clrMapOvr>
+    <a:masterClrMapping/>
+  </p:clrMapOvr>
+</p:sld>
+</file>
+
+<file path=ppt/slides/slide6.xml><?xml version="1.0" encoding="utf-8"?>
+<p:sld xmlns:a="http://schemas.openxmlformats.org/drawingml/2006/main" xmlns:r="http://schemas.openxmlformats.org/officeDocument/2006/relationships" xmlns:p="http://schemas.openxmlformats.org/presentationml/2006/main">
+  <p:cSld>
+    <p:spTree>
+      <p:nvGrpSpPr>
+        <p:cNvPr id="1" name=""/>
+        <p:cNvGrpSpPr/>
+        <p:nvPr/>
+      </p:nvGrpSpPr>
+      <p:grpSpPr>
+        <a:xfrm>
+          <a:off x="0" y="0"/>
+          <a:ext cx="0" cy="0"/>
+          <a:chOff x="0" y="0"/>
+          <a:chExt cx="0" cy="0"/>
+        </a:xfrm>
+      </p:grpSpPr>
+      <p:sp>
+        <p:nvSpPr>
+          <p:cNvPr id="5" name="內容版面配置區 4"/>
+          <p:cNvSpPr>
+            <a:spLocks noGrp="1"/>
+          </p:cNvSpPr>
+          <p:nvPr>
+            <p:ph idx="1"/>
+          </p:nvPr>
+        </p:nvSpPr>
+        <p:spPr>
+          <a:xfrm>
+            <a:off x="0" y="1563638"/>
+            <a:ext cx="9144000" cy="1803647"/>
+          </a:xfrm>
+        </p:spPr>
+        <p:txBody>
+          <a:bodyPr anchor="ctr">
+            <a:normAutofit/>
+          </a:bodyPr>
+          <a:lstStyle/>
           <a:p>
             <a:pPr algn="ctr">
-              <a:lnSpc>
-                <a:spcPct val="110000"/>
-              </a:lnSpc>
               <a:buNone/>
             </a:pPr>
             <a:r>
               <a:rPr lang="zh-CN" altLang="en-US" sz="4800" b="1" dirty="0">
+                <a:solidFill>
+                  <a:srgbClr val="000066"/>
+                </a:solidFill>
                 <a:latin typeface="Microsoft JhengHei" pitchFamily="34" charset="-120"/>
                 <a:ea typeface="Microsoft JhengHei" pitchFamily="34" charset="-120"/>
               </a:rPr>
-              <a:t>主我來</a:t>
-            </a:r>
-            <a:r>
-              <a:rPr lang="zh-CN" altLang="en-US" sz="4800" b="1" dirty="0">
-                <a:latin typeface="Microsoft JhengHei" pitchFamily="34" charset="-120"/>
-                <a:ea typeface="Microsoft JhengHei" pitchFamily="34" charset="-120"/>
-              </a:rPr>
-              <a:t>就</a:t>
-            </a:r>
-            <a:r>
-              <a:rPr lang="zh-CN" altLang="en-US" sz="4800" b="1" dirty="0" smtClean="0">
-                <a:latin typeface="Microsoft JhengHei" pitchFamily="34" charset="-120"/>
-                <a:ea typeface="Microsoft JhengHei" pitchFamily="34" charset="-120"/>
-              </a:rPr>
-              <a:t>袮  我</a:t>
-            </a:r>
-            <a:r>
-              <a:rPr lang="zh-CN" altLang="en-US" sz="4800" b="1" dirty="0">
-                <a:latin typeface="Microsoft JhengHei" pitchFamily="34" charset="-120"/>
-                <a:ea typeface="Microsoft JhengHei" pitchFamily="34" charset="-120"/>
-              </a:rPr>
-              <a:t>今來</a:t>
-            </a:r>
-            <a:r>
-              <a:rPr lang="zh-CN" altLang="en-US" sz="4800" b="1" dirty="0">
-                <a:latin typeface="Microsoft JhengHei" pitchFamily="34" charset="-120"/>
-                <a:ea typeface="Microsoft JhengHei" pitchFamily="34" charset="-120"/>
-              </a:rPr>
-              <a:t>就袮</a:t>
+              <a:t>惟主寶血永無更變</a:t>
             </a:r>
             <a:endParaRPr lang="en-US" altLang="zh-CN" sz="4800" b="1" dirty="0">
+              <a:solidFill>
+                <a:srgbClr val="000066"/>
+              </a:solidFill>
               <a:latin typeface="Microsoft JhengHei" pitchFamily="34" charset="-120"/>
               <a:ea typeface="Microsoft JhengHei" pitchFamily="34" charset="-120"/>
             </a:endParaRPr>
           </a:p>
           <a:p>
             <a:pPr algn="ctr">
-              <a:lnSpc>
-                <a:spcPct val="110000"/>
-              </a:lnSpc>
               <a:buNone/>
             </a:pPr>
             <a:r>
               <a:rPr lang="zh-CN" altLang="en-US" sz="4800" b="1" dirty="0">
+                <a:solidFill>
+                  <a:srgbClr val="000066"/>
+                </a:solidFill>
                 <a:latin typeface="Microsoft JhengHei" pitchFamily="34" charset="-120"/>
                 <a:ea typeface="Microsoft JhengHei" pitchFamily="34" charset="-120"/>
               </a:rPr>
-              <a:t>救主所流的寶血</a:t>
-            </a:r>
-            <a:r>
-              <a:rPr lang="en-US" altLang="zh-CN" sz="4800" b="1" dirty="0">
-                <a:latin typeface="Microsoft JhengHei" pitchFamily="34" charset="-120"/>
-                <a:ea typeface="Microsoft JhengHei" pitchFamily="34" charset="-120"/>
-              </a:rPr>
-              <a:t>  </a:t>
-            </a:r>
-            <a:r>
-              <a:rPr lang="zh-CN" altLang="en-US" sz="4800" b="1" dirty="0">
-                <a:latin typeface="Microsoft JhengHei" pitchFamily="34" charset="-120"/>
-                <a:ea typeface="Microsoft JhengHei" pitchFamily="34" charset="-120"/>
-              </a:rPr>
-              <a:t>洗我罪惡清潔</a:t>
-            </a:r>
-            <a:endParaRPr lang="zh-TW" altLang="en-US" sz="4800" b="1" dirty="0">
+              <a:t>洗淨心裡罪愆</a:t>
+            </a:r>
+            <a:endParaRPr lang="en-US" altLang="zh-CN" sz="4800" b="1" dirty="0">
+              <a:solidFill>
+                <a:srgbClr val="000066"/>
+              </a:solidFill>
               <a:latin typeface="Microsoft JhengHei" pitchFamily="34" charset="-120"/>
               <a:ea typeface="Microsoft JhengHei" pitchFamily="34" charset="-120"/>
             </a:endParaRPr>
           </a:p>
+        </p:txBody>
+      </p:sp>
+      <p:sp>
+        <p:nvSpPr>
+          <p:cNvPr id="3" name="TextBox 2"/>
+          <p:cNvSpPr txBox="1"/>
+          <p:nvPr/>
+        </p:nvSpPr>
+        <p:spPr>
+          <a:xfrm>
+            <a:off x="827584" y="1661525"/>
+            <a:ext cx="936104" cy="830997"/>
+          </a:xfrm>
+          <a:prstGeom prst="rect">
+            <a:avLst/>
+          </a:prstGeom>
+          <a:noFill/>
+        </p:spPr>
+        <p:txBody>
+          <a:bodyPr wrap="square" rtlCol="0">
+            <a:spAutoFit/>
+          </a:bodyPr>
+          <a:lstStyle/>
+          <a:p>
+            <a:r>
+              <a:rPr lang="en-US" sz="4800" b="1" dirty="0">
+                <a:solidFill>
+                  <a:srgbClr val="000066"/>
+                </a:solidFill>
+              </a:rPr>
+              <a:t>2</a:t>
+            </a:r>
+            <a:r>
+              <a:rPr lang="en-US" sz="4800" b="1" dirty="0" smtClean="0">
+                <a:solidFill>
+                  <a:srgbClr val="000066"/>
+                </a:solidFill>
+              </a:rPr>
+              <a:t>.</a:t>
+            </a:r>
+            <a:endParaRPr lang="vi-VN" sz="4800" b="1" dirty="0">
+              <a:solidFill>
+                <a:srgbClr val="000066"/>
+              </a:solidFill>
+            </a:endParaRPr>
+          </a:p>
+        </p:txBody>
+      </p:sp>
+    </p:spTree>
+    <p:extLst>
+      <p:ext uri="{BB962C8B-B14F-4D97-AF65-F5344CB8AC3E}">
+        <p14:creationId xmlns:p14="http://schemas.microsoft.com/office/powerpoint/2010/main" val="1633815635"/>
+      </p:ext>
+    </p:extLst>
+  </p:cSld>
+  <p:clrMapOvr>
+    <a:masterClrMapping/>
+  </p:clrMapOvr>
+</p:sld>
+</file>
+
+<file path=ppt/slides/slide7.xml><?xml version="1.0" encoding="utf-8"?>
+<p:sld xmlns:a="http://schemas.openxmlformats.org/drawingml/2006/main" xmlns:r="http://schemas.openxmlformats.org/officeDocument/2006/relationships" xmlns:p="http://schemas.openxmlformats.org/presentationml/2006/main">
+  <p:cSld>
+    <p:spTree>
+      <p:nvGrpSpPr>
+        <p:cNvPr id="1" name=""/>
+        <p:cNvGrpSpPr/>
+        <p:nvPr/>
+      </p:nvGrpSpPr>
+      <p:grpSpPr>
+        <a:xfrm>
+          <a:off x="0" y="0"/>
+          <a:ext cx="0" cy="0"/>
+          <a:chOff x="0" y="0"/>
+          <a:chExt cx="0" cy="0"/>
+        </a:xfrm>
+      </p:grpSpPr>
+      <p:sp>
+        <p:nvSpPr>
+          <p:cNvPr id="5" name="內容版面配置區 4"/>
+          <p:cNvSpPr>
+            <a:spLocks noGrp="1"/>
+          </p:cNvSpPr>
+          <p:nvPr>
+            <p:ph idx="1"/>
+          </p:nvPr>
+        </p:nvSpPr>
+        <p:spPr>
+          <a:xfrm>
+            <a:off x="0" y="1563638"/>
+            <a:ext cx="9144000" cy="1803647"/>
+          </a:xfrm>
+        </p:spPr>
+        <p:txBody>
+          <a:bodyPr anchor="ctr">
+            <a:normAutofit/>
+          </a:bodyPr>
+          <a:lstStyle/>
           <a:p>
             <a:pPr algn="ctr">
               <a:buNone/>
             </a:pPr>
-            <a:endParaRPr lang="zh-TW" altLang="en-US" sz="5400" dirty="0"/>
+            <a:r>
+              <a:rPr lang="zh-CN" altLang="en-US" sz="4800" b="1" dirty="0">
+                <a:solidFill>
+                  <a:srgbClr val="000066"/>
+                </a:solidFill>
+                <a:latin typeface="Microsoft JhengHei" pitchFamily="34" charset="-120"/>
+                <a:ea typeface="Microsoft JhengHei" pitchFamily="34" charset="-120"/>
+              </a:rPr>
+              <a:t>主我來就袮  我今來就袮</a:t>
+            </a:r>
+            <a:endParaRPr lang="en-US" altLang="zh-CN" sz="4800" b="1" dirty="0">
+              <a:solidFill>
+                <a:srgbClr val="000066"/>
+              </a:solidFill>
+              <a:latin typeface="Microsoft JhengHei" pitchFamily="34" charset="-120"/>
+              <a:ea typeface="Microsoft JhengHei" pitchFamily="34" charset="-120"/>
+            </a:endParaRPr>
+          </a:p>
+          <a:p>
+            <a:pPr algn="ctr">
+              <a:buNone/>
+            </a:pPr>
+            <a:r>
+              <a:rPr lang="zh-CN" altLang="en-US" sz="4800" b="1" dirty="0">
+                <a:solidFill>
+                  <a:srgbClr val="000066"/>
+                </a:solidFill>
+                <a:latin typeface="Microsoft JhengHei" pitchFamily="34" charset="-120"/>
+                <a:ea typeface="Microsoft JhengHei" pitchFamily="34" charset="-120"/>
+              </a:rPr>
+              <a:t>救主所流的寶血</a:t>
+            </a:r>
+            <a:r>
+              <a:rPr lang="en-US" altLang="zh-CN" sz="4800" b="1" dirty="0">
+                <a:solidFill>
+                  <a:srgbClr val="000066"/>
+                </a:solidFill>
+                <a:latin typeface="Microsoft JhengHei" pitchFamily="34" charset="-120"/>
+                <a:ea typeface="Microsoft JhengHei" pitchFamily="34" charset="-120"/>
+              </a:rPr>
+              <a:t>  </a:t>
+            </a:r>
+            <a:r>
+              <a:rPr lang="zh-CN" altLang="en-US" sz="4800" b="1" dirty="0">
+                <a:solidFill>
+                  <a:srgbClr val="000066"/>
+                </a:solidFill>
+                <a:latin typeface="Microsoft JhengHei" pitchFamily="34" charset="-120"/>
+                <a:ea typeface="Microsoft JhengHei" pitchFamily="34" charset="-120"/>
+              </a:rPr>
+              <a:t>洗我罪惡清潔</a:t>
+            </a:r>
+            <a:endParaRPr lang="zh-TW" altLang="en-US" sz="4800" b="1" dirty="0">
+              <a:solidFill>
+                <a:srgbClr val="000066"/>
+              </a:solidFill>
+              <a:latin typeface="Microsoft JhengHei" pitchFamily="34" charset="-120"/>
+              <a:ea typeface="Microsoft JhengHei" pitchFamily="34" charset="-120"/>
+            </a:endParaRPr>
           </a:p>
         </p:txBody>
       </p:sp>
     </p:spTree>
+    <p:extLst>
+      <p:ext uri="{BB962C8B-B14F-4D97-AF65-F5344CB8AC3E}">
+        <p14:creationId xmlns:p14="http://schemas.microsoft.com/office/powerpoint/2010/main" val="861001913"/>
+      </p:ext>
+    </p:extLst>
+  </p:cSld>
+  <p:clrMapOvr>
+    <a:masterClrMapping/>
+  </p:clrMapOvr>
+</p:sld>
+</file>
+
+<file path=ppt/slides/slide8.xml><?xml version="1.0" encoding="utf-8"?>
+<p:sld xmlns:a="http://schemas.openxmlformats.org/drawingml/2006/main" xmlns:r="http://schemas.openxmlformats.org/officeDocument/2006/relationships" xmlns:p="http://schemas.openxmlformats.org/presentationml/2006/main">
+  <p:cSld>
+    <p:spTree>
+      <p:nvGrpSpPr>
+        <p:cNvPr id="1" name=""/>
+        <p:cNvGrpSpPr/>
+        <p:nvPr/>
+      </p:nvGrpSpPr>
+      <p:grpSpPr>
+        <a:xfrm>
+          <a:off x="0" y="0"/>
+          <a:ext cx="0" cy="0"/>
+          <a:chOff x="0" y="0"/>
+          <a:chExt cx="0" cy="0"/>
+        </a:xfrm>
+      </p:grpSpPr>
+      <p:sp>
+        <p:nvSpPr>
+          <p:cNvPr id="5" name="內容版面配置區 4"/>
+          <p:cNvSpPr>
+            <a:spLocks noGrp="1"/>
+          </p:cNvSpPr>
+          <p:nvPr>
+            <p:ph idx="1"/>
+          </p:nvPr>
+        </p:nvSpPr>
+        <p:spPr>
+          <a:xfrm>
+            <a:off x="0" y="1563638"/>
+            <a:ext cx="9144000" cy="1803647"/>
+          </a:xfrm>
+        </p:spPr>
+        <p:txBody>
+          <a:bodyPr anchor="ctr">
+            <a:normAutofit/>
+          </a:bodyPr>
+          <a:lstStyle/>
+          <a:p>
+            <a:pPr algn="ctr">
+              <a:lnSpc>
+                <a:spcPct val="90000"/>
+              </a:lnSpc>
+              <a:buNone/>
+            </a:pPr>
+            <a:r>
+              <a:rPr lang="zh-CN" altLang="en-US" sz="4800" b="1" dirty="0">
+                <a:solidFill>
+                  <a:srgbClr val="000066"/>
+                </a:solidFill>
+                <a:latin typeface="Microsoft JhengHei" pitchFamily="34" charset="-120"/>
+                <a:ea typeface="Microsoft JhengHei" pitchFamily="34" charset="-120"/>
+              </a:rPr>
+              <a:t>求主賞賜聖靈</a:t>
+            </a:r>
+            <a:r>
+              <a:rPr lang="en-US" altLang="zh-CN" sz="4800" b="1" dirty="0">
+                <a:solidFill>
+                  <a:srgbClr val="000066"/>
+                </a:solidFill>
+                <a:latin typeface="Microsoft JhengHei" pitchFamily="34" charset="-120"/>
+                <a:ea typeface="Microsoft JhengHei" pitchFamily="34" charset="-120"/>
+              </a:rPr>
+              <a:t>  </a:t>
+            </a:r>
+            <a:endParaRPr lang="en-US" altLang="zh-CN" sz="4800" b="1" dirty="0" smtClean="0">
+              <a:solidFill>
+                <a:srgbClr val="000066"/>
+              </a:solidFill>
+              <a:latin typeface="Microsoft JhengHei" pitchFamily="34" charset="-120"/>
+              <a:ea typeface="Microsoft JhengHei" pitchFamily="34" charset="-120"/>
+            </a:endParaRPr>
+          </a:p>
+          <a:p>
+            <a:pPr algn="ctr">
+              <a:lnSpc>
+                <a:spcPct val="90000"/>
+              </a:lnSpc>
+              <a:buNone/>
+            </a:pPr>
+            <a:r>
+              <a:rPr lang="zh-CN" altLang="en-US" sz="4800" b="1" dirty="0" smtClean="0">
+                <a:solidFill>
+                  <a:srgbClr val="000066"/>
+                </a:solidFill>
+                <a:latin typeface="Microsoft JhengHei" pitchFamily="34" charset="-120"/>
+                <a:ea typeface="Microsoft JhengHei" pitchFamily="34" charset="-120"/>
+              </a:rPr>
+              <a:t>激</a:t>
+            </a:r>
+            <a:r>
+              <a:rPr lang="zh-CN" altLang="en-US" sz="4800" b="1" dirty="0">
+                <a:solidFill>
+                  <a:srgbClr val="000066"/>
+                </a:solidFill>
+                <a:latin typeface="Microsoft JhengHei" pitchFamily="34" charset="-120"/>
+                <a:ea typeface="Microsoft JhengHei" pitchFamily="34" charset="-120"/>
+              </a:rPr>
+              <a:t>發愛主熱心</a:t>
+            </a:r>
+            <a:endParaRPr lang="en-US" altLang="zh-CN" sz="4800" b="1" dirty="0">
+              <a:solidFill>
+                <a:srgbClr val="000066"/>
+              </a:solidFill>
+              <a:latin typeface="Microsoft JhengHei" pitchFamily="34" charset="-120"/>
+              <a:ea typeface="Microsoft JhengHei" pitchFamily="34" charset="-120"/>
+            </a:endParaRPr>
+          </a:p>
+        </p:txBody>
+      </p:sp>
+      <p:sp>
+        <p:nvSpPr>
+          <p:cNvPr id="3" name="TextBox 2"/>
+          <p:cNvSpPr txBox="1"/>
+          <p:nvPr/>
+        </p:nvSpPr>
+        <p:spPr>
+          <a:xfrm>
+            <a:off x="827584" y="1661525"/>
+            <a:ext cx="936104" cy="830997"/>
+          </a:xfrm>
+          <a:prstGeom prst="rect">
+            <a:avLst/>
+          </a:prstGeom>
+          <a:noFill/>
+        </p:spPr>
+        <p:txBody>
+          <a:bodyPr wrap="square" rtlCol="0">
+            <a:spAutoFit/>
+          </a:bodyPr>
+          <a:lstStyle/>
+          <a:p>
+            <a:r>
+              <a:rPr lang="en-US" sz="4800" b="1" dirty="0" smtClean="0">
+                <a:solidFill>
+                  <a:srgbClr val="000066"/>
+                </a:solidFill>
+              </a:rPr>
+              <a:t>3.</a:t>
+            </a:r>
+            <a:endParaRPr lang="vi-VN" sz="4800" b="1" dirty="0">
+              <a:solidFill>
+                <a:srgbClr val="000066"/>
+              </a:solidFill>
+            </a:endParaRPr>
+          </a:p>
+        </p:txBody>
+      </p:sp>
+    </p:spTree>
+    <p:extLst>
+      <p:ext uri="{BB962C8B-B14F-4D97-AF65-F5344CB8AC3E}">
+        <p14:creationId xmlns:p14="http://schemas.microsoft.com/office/powerpoint/2010/main" val="4091994209"/>
+      </p:ext>
+    </p:extLst>
+  </p:cSld>
+  <p:clrMapOvr>
+    <a:masterClrMapping/>
+  </p:clrMapOvr>
+</p:sld>
+</file>
+
+<file path=ppt/slides/slide9.xml><?xml version="1.0" encoding="utf-8"?>
+<p:sld xmlns:a="http://schemas.openxmlformats.org/drawingml/2006/main" xmlns:r="http://schemas.openxmlformats.org/officeDocument/2006/relationships" xmlns:p="http://schemas.openxmlformats.org/presentationml/2006/main">
+  <p:cSld>
+    <p:spTree>
+      <p:nvGrpSpPr>
+        <p:cNvPr id="1" name=""/>
+        <p:cNvGrpSpPr/>
+        <p:nvPr/>
+      </p:nvGrpSpPr>
+      <p:grpSpPr>
+        <a:xfrm>
+          <a:off x="0" y="0"/>
+          <a:ext cx="0" cy="0"/>
+          <a:chOff x="0" y="0"/>
+          <a:chExt cx="0" cy="0"/>
+        </a:xfrm>
+      </p:grpSpPr>
+      <p:sp>
+        <p:nvSpPr>
+          <p:cNvPr id="5" name="內容版面配置區 4"/>
+          <p:cNvSpPr>
+            <a:spLocks noGrp="1"/>
+          </p:cNvSpPr>
+          <p:nvPr>
+            <p:ph idx="1"/>
+          </p:nvPr>
+        </p:nvSpPr>
+        <p:spPr>
+          <a:xfrm>
+            <a:off x="0" y="1563638"/>
+            <a:ext cx="9144000" cy="1803647"/>
+          </a:xfrm>
+        </p:spPr>
+        <p:txBody>
+          <a:bodyPr anchor="ctr">
+            <a:normAutofit/>
+          </a:bodyPr>
+          <a:lstStyle/>
+          <a:p>
+            <a:pPr algn="ctr">
+              <a:lnSpc>
+                <a:spcPct val="90000"/>
+              </a:lnSpc>
+              <a:buNone/>
+            </a:pPr>
+            <a:r>
+              <a:rPr lang="zh-CN" altLang="en-US" sz="4800" b="1" dirty="0">
+                <a:solidFill>
+                  <a:srgbClr val="000066"/>
+                </a:solidFill>
+                <a:latin typeface="Microsoft JhengHei" pitchFamily="34" charset="-120"/>
+                <a:ea typeface="Microsoft JhengHei" pitchFamily="34" charset="-120"/>
+              </a:rPr>
+              <a:t>引導罪人歸向耶穌</a:t>
+            </a:r>
+            <a:endParaRPr lang="en-US" altLang="zh-CN" sz="4800" b="1" dirty="0">
+              <a:solidFill>
+                <a:srgbClr val="000066"/>
+              </a:solidFill>
+              <a:latin typeface="Microsoft JhengHei" pitchFamily="34" charset="-120"/>
+              <a:ea typeface="Microsoft JhengHei" pitchFamily="34" charset="-120"/>
+            </a:endParaRPr>
+          </a:p>
+          <a:p>
+            <a:pPr algn="ctr">
+              <a:lnSpc>
+                <a:spcPct val="90000"/>
+              </a:lnSpc>
+              <a:buNone/>
+            </a:pPr>
+            <a:r>
+              <a:rPr lang="zh-CN" altLang="en-US" sz="4800" b="1" dirty="0">
+                <a:solidFill>
+                  <a:srgbClr val="000066"/>
+                </a:solidFill>
+                <a:latin typeface="Microsoft JhengHei" pitchFamily="34" charset="-120"/>
+                <a:ea typeface="Microsoft JhengHei" pitchFamily="34" charset="-120"/>
+              </a:rPr>
+              <a:t>使主教會復興</a:t>
+            </a:r>
+            <a:endParaRPr lang="en-US" altLang="zh-CN" sz="4800" b="1" dirty="0">
+              <a:solidFill>
+                <a:srgbClr val="000066"/>
+              </a:solidFill>
+              <a:latin typeface="Microsoft JhengHei" pitchFamily="34" charset="-120"/>
+              <a:ea typeface="Microsoft JhengHei" pitchFamily="34" charset="-120"/>
+            </a:endParaRPr>
+          </a:p>
+        </p:txBody>
+      </p:sp>
+      <p:sp>
+        <p:nvSpPr>
+          <p:cNvPr id="3" name="TextBox 2"/>
+          <p:cNvSpPr txBox="1"/>
+          <p:nvPr/>
+        </p:nvSpPr>
+        <p:spPr>
+          <a:xfrm>
+            <a:off x="827584" y="1661525"/>
+            <a:ext cx="936104" cy="830997"/>
+          </a:xfrm>
+          <a:prstGeom prst="rect">
+            <a:avLst/>
+          </a:prstGeom>
+          <a:noFill/>
+        </p:spPr>
+        <p:txBody>
+          <a:bodyPr wrap="square" rtlCol="0">
+            <a:spAutoFit/>
+          </a:bodyPr>
+          <a:lstStyle/>
+          <a:p>
+            <a:r>
+              <a:rPr lang="en-US" sz="4800" b="1" dirty="0" smtClean="0">
+                <a:solidFill>
+                  <a:srgbClr val="000066"/>
+                </a:solidFill>
+              </a:rPr>
+              <a:t>3.</a:t>
+            </a:r>
+            <a:endParaRPr lang="vi-VN" sz="4800" b="1" dirty="0">
+              <a:solidFill>
+                <a:srgbClr val="000066"/>
+              </a:solidFill>
+            </a:endParaRPr>
+          </a:p>
+        </p:txBody>
+      </p:sp>
+    </p:spTree>
+    <p:extLst>
+      <p:ext uri="{BB962C8B-B14F-4D97-AF65-F5344CB8AC3E}">
+        <p14:creationId xmlns:p14="http://schemas.microsoft.com/office/powerpoint/2010/main" val="1562842794"/>
+      </p:ext>
+    </p:extLst>
   </p:cSld>
   <p:clrMapOvr>
     <a:masterClrMapping/>

--- a/宣道詩/(宣道詩100)主我來就你.pptx
+++ b/宣道詩/(宣道詩100)主我來就你.pptx
@@ -316,7 +316,7 @@
           <a:p>
             <a:fld id="{D572F042-E3AA-446E-A7BD-209431A81E36}" type="datetimeFigureOut">
               <a:rPr lang="zh-TW" altLang="en-US" smtClean="0"/>
-              <a:t>2021/2/5</a:t>
+              <a:t>2021/6/24</a:t>
             </a:fld>
             <a:endParaRPr lang="zh-TW" altLang="en-US"/>
           </a:p>
@@ -481,7 +481,7 @@
           <a:p>
             <a:fld id="{D572F042-E3AA-446E-A7BD-209431A81E36}" type="datetimeFigureOut">
               <a:rPr lang="zh-TW" altLang="en-US" smtClean="0"/>
-              <a:t>2021/2/5</a:t>
+              <a:t>2021/6/24</a:t>
             </a:fld>
             <a:endParaRPr lang="zh-TW" altLang="en-US"/>
           </a:p>
@@ -656,7 +656,7 @@
           <a:p>
             <a:fld id="{D572F042-E3AA-446E-A7BD-209431A81E36}" type="datetimeFigureOut">
               <a:rPr lang="zh-TW" altLang="en-US" smtClean="0"/>
-              <a:t>2021/2/5</a:t>
+              <a:t>2021/6/24</a:t>
             </a:fld>
             <a:endParaRPr lang="zh-TW" altLang="en-US"/>
           </a:p>
@@ -821,7 +821,7 @@
           <a:p>
             <a:fld id="{D572F042-E3AA-446E-A7BD-209431A81E36}" type="datetimeFigureOut">
               <a:rPr lang="zh-TW" altLang="en-US" smtClean="0"/>
-              <a:t>2021/2/5</a:t>
+              <a:t>2021/6/24</a:t>
             </a:fld>
             <a:endParaRPr lang="zh-TW" altLang="en-US"/>
           </a:p>
@@ -1062,7 +1062,7 @@
           <a:p>
             <a:fld id="{D572F042-E3AA-446E-A7BD-209431A81E36}" type="datetimeFigureOut">
               <a:rPr lang="zh-TW" altLang="en-US" smtClean="0"/>
-              <a:t>2021/2/5</a:t>
+              <a:t>2021/6/24</a:t>
             </a:fld>
             <a:endParaRPr lang="zh-TW" altLang="en-US"/>
           </a:p>
@@ -1345,7 +1345,7 @@
           <a:p>
             <a:fld id="{D572F042-E3AA-446E-A7BD-209431A81E36}" type="datetimeFigureOut">
               <a:rPr lang="zh-TW" altLang="en-US" smtClean="0"/>
-              <a:t>2021/2/5</a:t>
+              <a:t>2021/6/24</a:t>
             </a:fld>
             <a:endParaRPr lang="zh-TW" altLang="en-US"/>
           </a:p>
@@ -1762,7 +1762,7 @@
           <a:p>
             <a:fld id="{D572F042-E3AA-446E-A7BD-209431A81E36}" type="datetimeFigureOut">
               <a:rPr lang="zh-TW" altLang="en-US" smtClean="0"/>
-              <a:t>2021/2/5</a:t>
+              <a:t>2021/6/24</a:t>
             </a:fld>
             <a:endParaRPr lang="zh-TW" altLang="en-US"/>
           </a:p>
@@ -1875,7 +1875,7 @@
           <a:p>
             <a:fld id="{D572F042-E3AA-446E-A7BD-209431A81E36}" type="datetimeFigureOut">
               <a:rPr lang="zh-TW" altLang="en-US" smtClean="0"/>
-              <a:t>2021/2/5</a:t>
+              <a:t>2021/6/24</a:t>
             </a:fld>
             <a:endParaRPr lang="zh-TW" altLang="en-US"/>
           </a:p>
@@ -1965,7 +1965,7 @@
           <a:p>
             <a:fld id="{D572F042-E3AA-446E-A7BD-209431A81E36}" type="datetimeFigureOut">
               <a:rPr lang="zh-TW" altLang="en-US" smtClean="0"/>
-              <a:t>2021/2/5</a:t>
+              <a:t>2021/6/24</a:t>
             </a:fld>
             <a:endParaRPr lang="zh-TW" altLang="en-US"/>
           </a:p>
@@ -2237,7 +2237,7 @@
           <a:p>
             <a:fld id="{D572F042-E3AA-446E-A7BD-209431A81E36}" type="datetimeFigureOut">
               <a:rPr lang="zh-TW" altLang="en-US" smtClean="0"/>
-              <a:t>2021/2/5</a:t>
+              <a:t>2021/6/24</a:t>
             </a:fld>
             <a:endParaRPr lang="zh-TW" altLang="en-US"/>
           </a:p>
@@ -2489,7 +2489,7 @@
           <a:p>
             <a:fld id="{D572F042-E3AA-446E-A7BD-209431A81E36}" type="datetimeFigureOut">
               <a:rPr lang="zh-TW" altLang="en-US" smtClean="0"/>
-              <a:t>2021/2/5</a:t>
+              <a:t>2021/6/24</a:t>
             </a:fld>
             <a:endParaRPr lang="zh-TW" altLang="en-US"/>
           </a:p>
@@ -2702,7 +2702,7 @@
           <a:p>
             <a:fld id="{D572F042-E3AA-446E-A7BD-209431A81E36}" type="datetimeFigureOut">
               <a:rPr lang="zh-TW" altLang="en-US" smtClean="0"/>
-              <a:t>2021/2/5</a:t>
+              <a:t>2021/6/24</a:t>
             </a:fld>
             <a:endParaRPr lang="zh-TW" altLang="en-US"/>
           </a:p>
@@ -3451,14 +3451,14 @@
       </p:sp>
       <p:sp>
         <p:nvSpPr>
-          <p:cNvPr id="3" name="TextBox 2"/>
+          <p:cNvPr id="4" name="TextBox 3"/>
           <p:cNvSpPr txBox="1"/>
           <p:nvPr/>
         </p:nvSpPr>
         <p:spPr>
           <a:xfrm>
-            <a:off x="827584" y="1661525"/>
-            <a:ext cx="936104" cy="830997"/>
+            <a:off x="0" y="3795886"/>
+            <a:ext cx="9144000" cy="584775"/>
           </a:xfrm>
           <a:prstGeom prst="rect">
             <a:avLst/>
@@ -3471,23 +3471,32 @@
           </a:bodyPr>
           <a:lstStyle/>
           <a:p>
-            <a:r>
-              <a:rPr lang="en-US" sz="4800" b="1" dirty="0">
-                <a:solidFill>
-                  <a:srgbClr val="000066"/>
-                </a:solidFill>
-              </a:rPr>
-              <a:t>4</a:t>
-            </a:r>
-            <a:r>
-              <a:rPr lang="en-US" sz="4800" b="1" dirty="0" smtClean="0">
-                <a:solidFill>
-                  <a:srgbClr val="000066"/>
-                </a:solidFill>
-              </a:rPr>
-              <a:t>.</a:t>
-            </a:r>
-            <a:endParaRPr lang="vi-VN" sz="4800" b="1" dirty="0">
+            <a:pPr algn="ctr"/>
+            <a:r>
+              <a:rPr lang="en-US" sz="3200" b="1" dirty="0">
+                <a:solidFill>
+                  <a:srgbClr val="000066"/>
+                </a:solidFill>
+              </a:rPr>
+              <a:t>( </a:t>
+            </a:r>
+            <a:r>
+              <a:rPr lang="en-US" sz="3200" b="1" dirty="0" smtClean="0">
+                <a:solidFill>
+                  <a:srgbClr val="000066"/>
+                </a:solidFill>
+              </a:rPr>
+              <a:t>4 </a:t>
+            </a:r>
+            <a:r>
+              <a:rPr lang="en-US" sz="3200" b="1" dirty="0">
+                <a:solidFill>
+                  <a:srgbClr val="000066"/>
+                </a:solidFill>
+              </a:rPr>
+              <a:t>)</a:t>
+            </a:r>
+            <a:endParaRPr lang="vi-VN" sz="3200" b="1" dirty="0">
               <a:solidFill>
                 <a:srgbClr val="000066"/>
               </a:solidFill>
@@ -3600,14 +3609,14 @@
       </p:sp>
       <p:sp>
         <p:nvSpPr>
-          <p:cNvPr id="3" name="TextBox 2"/>
+          <p:cNvPr id="4" name="TextBox 3"/>
           <p:cNvSpPr txBox="1"/>
           <p:nvPr/>
         </p:nvSpPr>
         <p:spPr>
           <a:xfrm>
-            <a:off x="827584" y="1661525"/>
-            <a:ext cx="936104" cy="830997"/>
+            <a:off x="0" y="3795886"/>
+            <a:ext cx="9144000" cy="584775"/>
           </a:xfrm>
           <a:prstGeom prst="rect">
             <a:avLst/>
@@ -3620,23 +3629,32 @@
           </a:bodyPr>
           <a:lstStyle/>
           <a:p>
-            <a:r>
-              <a:rPr lang="en-US" sz="4800" b="1" dirty="0">
-                <a:solidFill>
-                  <a:srgbClr val="000066"/>
-                </a:solidFill>
-              </a:rPr>
-              <a:t>4</a:t>
-            </a:r>
-            <a:r>
-              <a:rPr lang="en-US" sz="4800" b="1" dirty="0" smtClean="0">
-                <a:solidFill>
-                  <a:srgbClr val="000066"/>
-                </a:solidFill>
-              </a:rPr>
-              <a:t>.</a:t>
-            </a:r>
-            <a:endParaRPr lang="vi-VN" sz="4800" b="1" dirty="0">
+            <a:pPr algn="ctr"/>
+            <a:r>
+              <a:rPr lang="en-US" sz="3200" b="1" dirty="0">
+                <a:solidFill>
+                  <a:srgbClr val="000066"/>
+                </a:solidFill>
+              </a:rPr>
+              <a:t>( </a:t>
+            </a:r>
+            <a:r>
+              <a:rPr lang="en-US" sz="3200" b="1" dirty="0" smtClean="0">
+                <a:solidFill>
+                  <a:srgbClr val="000066"/>
+                </a:solidFill>
+              </a:rPr>
+              <a:t>4 </a:t>
+            </a:r>
+            <a:r>
+              <a:rPr lang="en-US" sz="3200" b="1" dirty="0">
+                <a:solidFill>
+                  <a:srgbClr val="000066"/>
+                </a:solidFill>
+              </a:rPr>
+              <a:t>)</a:t>
+            </a:r>
+            <a:endParaRPr lang="vi-VN" sz="3200" b="1" dirty="0">
               <a:solidFill>
                 <a:srgbClr val="000066"/>
               </a:solidFill>
@@ -3880,14 +3898,14 @@
       </p:sp>
       <p:sp>
         <p:nvSpPr>
-          <p:cNvPr id="3" name="TextBox 2"/>
+          <p:cNvPr id="4" name="TextBox 3"/>
           <p:cNvSpPr txBox="1"/>
           <p:nvPr/>
         </p:nvSpPr>
         <p:spPr>
           <a:xfrm>
-            <a:off x="827584" y="1661525"/>
-            <a:ext cx="936104" cy="830997"/>
+            <a:off x="0" y="3795886"/>
+            <a:ext cx="9144000" cy="584775"/>
           </a:xfrm>
           <a:prstGeom prst="rect">
             <a:avLst/>
@@ -3900,15 +3918,16 @@
           </a:bodyPr>
           <a:lstStyle/>
           <a:p>
-            <a:r>
-              <a:rPr lang="en-US" sz="4800" b="1" dirty="0" smtClean="0">
-                <a:solidFill>
-                  <a:srgbClr val="000066"/>
-                </a:solidFill>
-              </a:rPr>
-              <a:t>1.</a:t>
-            </a:r>
-            <a:endParaRPr lang="vi-VN" sz="4800" b="1" dirty="0">
+            <a:pPr algn="ctr"/>
+            <a:r>
+              <a:rPr lang="en-US" sz="3200" b="1" dirty="0">
+                <a:solidFill>
+                  <a:srgbClr val="000066"/>
+                </a:solidFill>
+              </a:rPr>
+              <a:t>( 1 )</a:t>
+            </a:r>
+            <a:endParaRPr lang="vi-VN" sz="3200" b="1" dirty="0">
               <a:solidFill>
                 <a:srgbClr val="000066"/>
               </a:solidFill>
@@ -4015,14 +4034,14 @@
       </p:sp>
       <p:sp>
         <p:nvSpPr>
-          <p:cNvPr id="3" name="TextBox 2"/>
+          <p:cNvPr id="4" name="TextBox 3"/>
           <p:cNvSpPr txBox="1"/>
           <p:nvPr/>
         </p:nvSpPr>
         <p:spPr>
           <a:xfrm>
-            <a:off x="827584" y="1661525"/>
-            <a:ext cx="936104" cy="830997"/>
+            <a:off x="0" y="3795886"/>
+            <a:ext cx="9144000" cy="584775"/>
           </a:xfrm>
           <a:prstGeom prst="rect">
             <a:avLst/>
@@ -4035,15 +4054,16 @@
           </a:bodyPr>
           <a:lstStyle/>
           <a:p>
-            <a:r>
-              <a:rPr lang="en-US" sz="4800" b="1" dirty="0" smtClean="0">
-                <a:solidFill>
-                  <a:srgbClr val="000066"/>
-                </a:solidFill>
-              </a:rPr>
-              <a:t>1.</a:t>
-            </a:r>
-            <a:endParaRPr lang="vi-VN" sz="4800" b="1" dirty="0">
+            <a:pPr algn="ctr"/>
+            <a:r>
+              <a:rPr lang="en-US" sz="3200" b="1" dirty="0">
+                <a:solidFill>
+                  <a:srgbClr val="000066"/>
+                </a:solidFill>
+              </a:rPr>
+              <a:t>( 1 )</a:t>
+            </a:r>
+            <a:endParaRPr lang="vi-VN" sz="3200" b="1" dirty="0">
               <a:solidFill>
                 <a:srgbClr val="000066"/>
               </a:solidFill>
@@ -4277,14 +4297,14 @@
       </p:sp>
       <p:sp>
         <p:nvSpPr>
-          <p:cNvPr id="3" name="TextBox 2"/>
+          <p:cNvPr id="4" name="TextBox 3"/>
           <p:cNvSpPr txBox="1"/>
           <p:nvPr/>
         </p:nvSpPr>
         <p:spPr>
           <a:xfrm>
-            <a:off x="827584" y="1661525"/>
-            <a:ext cx="936104" cy="830997"/>
+            <a:off x="0" y="3795886"/>
+            <a:ext cx="9144000" cy="584775"/>
           </a:xfrm>
           <a:prstGeom prst="rect">
             <a:avLst/>
@@ -4297,23 +4317,32 @@
           </a:bodyPr>
           <a:lstStyle/>
           <a:p>
-            <a:r>
-              <a:rPr lang="en-US" sz="4800" b="1" dirty="0">
-                <a:solidFill>
-                  <a:srgbClr val="000066"/>
-                </a:solidFill>
-              </a:rPr>
-              <a:t>2</a:t>
-            </a:r>
-            <a:r>
-              <a:rPr lang="en-US" sz="4800" b="1" dirty="0" smtClean="0">
-                <a:solidFill>
-                  <a:srgbClr val="000066"/>
-                </a:solidFill>
-              </a:rPr>
-              <a:t>.</a:t>
-            </a:r>
-            <a:endParaRPr lang="vi-VN" sz="4800" b="1" dirty="0">
+            <a:pPr algn="ctr"/>
+            <a:r>
+              <a:rPr lang="en-US" sz="3200" b="1" dirty="0">
+                <a:solidFill>
+                  <a:srgbClr val="000066"/>
+                </a:solidFill>
+              </a:rPr>
+              <a:t>( </a:t>
+            </a:r>
+            <a:r>
+              <a:rPr lang="en-US" sz="3200" b="1" dirty="0" smtClean="0">
+                <a:solidFill>
+                  <a:srgbClr val="000066"/>
+                </a:solidFill>
+              </a:rPr>
+              <a:t>2 </a:t>
+            </a:r>
+            <a:r>
+              <a:rPr lang="en-US" sz="3200" b="1" dirty="0">
+                <a:solidFill>
+                  <a:srgbClr val="000066"/>
+                </a:solidFill>
+              </a:rPr>
+              <a:t>)</a:t>
+            </a:r>
+            <a:endParaRPr lang="vi-VN" sz="3200" b="1" dirty="0">
               <a:solidFill>
                 <a:srgbClr val="000066"/>
               </a:solidFill>
@@ -4420,14 +4449,14 @@
       </p:sp>
       <p:sp>
         <p:nvSpPr>
-          <p:cNvPr id="3" name="TextBox 2"/>
+          <p:cNvPr id="4" name="TextBox 3"/>
           <p:cNvSpPr txBox="1"/>
           <p:nvPr/>
         </p:nvSpPr>
         <p:spPr>
           <a:xfrm>
-            <a:off x="827584" y="1661525"/>
-            <a:ext cx="936104" cy="830997"/>
+            <a:off x="0" y="3795886"/>
+            <a:ext cx="9144000" cy="584775"/>
           </a:xfrm>
           <a:prstGeom prst="rect">
             <a:avLst/>
@@ -4440,23 +4469,32 @@
           </a:bodyPr>
           <a:lstStyle/>
           <a:p>
-            <a:r>
-              <a:rPr lang="en-US" sz="4800" b="1" dirty="0">
-                <a:solidFill>
-                  <a:srgbClr val="000066"/>
-                </a:solidFill>
-              </a:rPr>
-              <a:t>2</a:t>
-            </a:r>
-            <a:r>
-              <a:rPr lang="en-US" sz="4800" b="1" dirty="0" smtClean="0">
-                <a:solidFill>
-                  <a:srgbClr val="000066"/>
-                </a:solidFill>
-              </a:rPr>
-              <a:t>.</a:t>
-            </a:r>
-            <a:endParaRPr lang="vi-VN" sz="4800" b="1" dirty="0">
+            <a:pPr algn="ctr"/>
+            <a:r>
+              <a:rPr lang="en-US" sz="3200" b="1" dirty="0">
+                <a:solidFill>
+                  <a:srgbClr val="000066"/>
+                </a:solidFill>
+              </a:rPr>
+              <a:t>( </a:t>
+            </a:r>
+            <a:r>
+              <a:rPr lang="en-US" sz="3200" b="1" dirty="0" smtClean="0">
+                <a:solidFill>
+                  <a:srgbClr val="000066"/>
+                </a:solidFill>
+              </a:rPr>
+              <a:t>2 </a:t>
+            </a:r>
+            <a:r>
+              <a:rPr lang="en-US" sz="3200" b="1" dirty="0">
+                <a:solidFill>
+                  <a:srgbClr val="000066"/>
+                </a:solidFill>
+              </a:rPr>
+              <a:t>)</a:t>
+            </a:r>
+            <a:endParaRPr lang="vi-VN" sz="3200" b="1" dirty="0">
               <a:solidFill>
                 <a:srgbClr val="000066"/>
               </a:solidFill>
@@ -4706,14 +4744,14 @@
       </p:sp>
       <p:sp>
         <p:nvSpPr>
-          <p:cNvPr id="3" name="TextBox 2"/>
+          <p:cNvPr id="4" name="TextBox 3"/>
           <p:cNvSpPr txBox="1"/>
           <p:nvPr/>
         </p:nvSpPr>
         <p:spPr>
           <a:xfrm>
-            <a:off x="827584" y="1661525"/>
-            <a:ext cx="936104" cy="830997"/>
+            <a:off x="0" y="3795886"/>
+            <a:ext cx="9144000" cy="584775"/>
           </a:xfrm>
           <a:prstGeom prst="rect">
             <a:avLst/>
@@ -4726,15 +4764,32 @@
           </a:bodyPr>
           <a:lstStyle/>
           <a:p>
-            <a:r>
-              <a:rPr lang="en-US" sz="4800" b="1" dirty="0" smtClean="0">
-                <a:solidFill>
-                  <a:srgbClr val="000066"/>
-                </a:solidFill>
-              </a:rPr>
-              <a:t>3.</a:t>
-            </a:r>
-            <a:endParaRPr lang="vi-VN" sz="4800" b="1" dirty="0">
+            <a:pPr algn="ctr"/>
+            <a:r>
+              <a:rPr lang="en-US" sz="3200" b="1" dirty="0">
+                <a:solidFill>
+                  <a:srgbClr val="000066"/>
+                </a:solidFill>
+              </a:rPr>
+              <a:t>( </a:t>
+            </a:r>
+            <a:r>
+              <a:rPr lang="en-US" sz="3200" b="1" dirty="0" smtClean="0">
+                <a:solidFill>
+                  <a:srgbClr val="000066"/>
+                </a:solidFill>
+              </a:rPr>
+              <a:t>3 </a:t>
+            </a:r>
+            <a:r>
+              <a:rPr lang="en-US" sz="3200" b="1" dirty="0">
+                <a:solidFill>
+                  <a:srgbClr val="000066"/>
+                </a:solidFill>
+              </a:rPr>
+              <a:t>)</a:t>
+            </a:r>
+            <a:endParaRPr lang="vi-VN" sz="3200" b="1" dirty="0">
               <a:solidFill>
                 <a:srgbClr val="000066"/>
               </a:solidFill>
@@ -4847,14 +4902,14 @@
       </p:sp>
       <p:sp>
         <p:nvSpPr>
-          <p:cNvPr id="3" name="TextBox 2"/>
+          <p:cNvPr id="4" name="TextBox 3"/>
           <p:cNvSpPr txBox="1"/>
           <p:nvPr/>
         </p:nvSpPr>
         <p:spPr>
           <a:xfrm>
-            <a:off x="827584" y="1661525"/>
-            <a:ext cx="936104" cy="830997"/>
+            <a:off x="0" y="3795886"/>
+            <a:ext cx="9144000" cy="584775"/>
           </a:xfrm>
           <a:prstGeom prst="rect">
             <a:avLst/>
@@ -4867,15 +4922,32 @@
           </a:bodyPr>
           <a:lstStyle/>
           <a:p>
-            <a:r>
-              <a:rPr lang="en-US" sz="4800" b="1" dirty="0" smtClean="0">
-                <a:solidFill>
-                  <a:srgbClr val="000066"/>
-                </a:solidFill>
-              </a:rPr>
-              <a:t>3.</a:t>
-            </a:r>
-            <a:endParaRPr lang="vi-VN" sz="4800" b="1" dirty="0">
+            <a:pPr algn="ctr"/>
+            <a:r>
+              <a:rPr lang="en-US" sz="3200" b="1" dirty="0">
+                <a:solidFill>
+                  <a:srgbClr val="000066"/>
+                </a:solidFill>
+              </a:rPr>
+              <a:t>( </a:t>
+            </a:r>
+            <a:r>
+              <a:rPr lang="en-US" sz="3200" b="1" dirty="0" smtClean="0">
+                <a:solidFill>
+                  <a:srgbClr val="000066"/>
+                </a:solidFill>
+              </a:rPr>
+              <a:t>3 </a:t>
+            </a:r>
+            <a:r>
+              <a:rPr lang="en-US" sz="3200" b="1" dirty="0">
+                <a:solidFill>
+                  <a:srgbClr val="000066"/>
+                </a:solidFill>
+              </a:rPr>
+              <a:t>)</a:t>
+            </a:r>
+            <a:endParaRPr lang="vi-VN" sz="3200" b="1" dirty="0">
               <a:solidFill>
                 <a:srgbClr val="000066"/>
               </a:solidFill>

--- a/宣道詩/(宣道詩100)主我來就你.pptx
+++ b/宣道詩/(宣道詩100)主我來就你.pptx
@@ -316,7 +316,7 @@
           <a:p>
             <a:fld id="{D572F042-E3AA-446E-A7BD-209431A81E36}" type="datetimeFigureOut">
               <a:rPr lang="zh-TW" altLang="en-US" smtClean="0"/>
-              <a:t>2021/6/24</a:t>
+              <a:t>2021/9/14</a:t>
             </a:fld>
             <a:endParaRPr lang="zh-TW" altLang="en-US"/>
           </a:p>
@@ -481,7 +481,7 @@
           <a:p>
             <a:fld id="{D572F042-E3AA-446E-A7BD-209431A81E36}" type="datetimeFigureOut">
               <a:rPr lang="zh-TW" altLang="en-US" smtClean="0"/>
-              <a:t>2021/6/24</a:t>
+              <a:t>2021/9/14</a:t>
             </a:fld>
             <a:endParaRPr lang="zh-TW" altLang="en-US"/>
           </a:p>
@@ -656,7 +656,7 @@
           <a:p>
             <a:fld id="{D572F042-E3AA-446E-A7BD-209431A81E36}" type="datetimeFigureOut">
               <a:rPr lang="zh-TW" altLang="en-US" smtClean="0"/>
-              <a:t>2021/6/24</a:t>
+              <a:t>2021/9/14</a:t>
             </a:fld>
             <a:endParaRPr lang="zh-TW" altLang="en-US"/>
           </a:p>
@@ -821,7 +821,7 @@
           <a:p>
             <a:fld id="{D572F042-E3AA-446E-A7BD-209431A81E36}" type="datetimeFigureOut">
               <a:rPr lang="zh-TW" altLang="en-US" smtClean="0"/>
-              <a:t>2021/6/24</a:t>
+              <a:t>2021/9/14</a:t>
             </a:fld>
             <a:endParaRPr lang="zh-TW" altLang="en-US"/>
           </a:p>
@@ -1062,7 +1062,7 @@
           <a:p>
             <a:fld id="{D572F042-E3AA-446E-A7BD-209431A81E36}" type="datetimeFigureOut">
               <a:rPr lang="zh-TW" altLang="en-US" smtClean="0"/>
-              <a:t>2021/6/24</a:t>
+              <a:t>2021/9/14</a:t>
             </a:fld>
             <a:endParaRPr lang="zh-TW" altLang="en-US"/>
           </a:p>
@@ -1345,7 +1345,7 @@
           <a:p>
             <a:fld id="{D572F042-E3AA-446E-A7BD-209431A81E36}" type="datetimeFigureOut">
               <a:rPr lang="zh-TW" altLang="en-US" smtClean="0"/>
-              <a:t>2021/6/24</a:t>
+              <a:t>2021/9/14</a:t>
             </a:fld>
             <a:endParaRPr lang="zh-TW" altLang="en-US"/>
           </a:p>
@@ -1762,7 +1762,7 @@
           <a:p>
             <a:fld id="{D572F042-E3AA-446E-A7BD-209431A81E36}" type="datetimeFigureOut">
               <a:rPr lang="zh-TW" altLang="en-US" smtClean="0"/>
-              <a:t>2021/6/24</a:t>
+              <a:t>2021/9/14</a:t>
             </a:fld>
             <a:endParaRPr lang="zh-TW" altLang="en-US"/>
           </a:p>
@@ -1875,7 +1875,7 @@
           <a:p>
             <a:fld id="{D572F042-E3AA-446E-A7BD-209431A81E36}" type="datetimeFigureOut">
               <a:rPr lang="zh-TW" altLang="en-US" smtClean="0"/>
-              <a:t>2021/6/24</a:t>
+              <a:t>2021/9/14</a:t>
             </a:fld>
             <a:endParaRPr lang="zh-TW" altLang="en-US"/>
           </a:p>
@@ -1965,7 +1965,7 @@
           <a:p>
             <a:fld id="{D572F042-E3AA-446E-A7BD-209431A81E36}" type="datetimeFigureOut">
               <a:rPr lang="zh-TW" altLang="en-US" smtClean="0"/>
-              <a:t>2021/6/24</a:t>
+              <a:t>2021/9/14</a:t>
             </a:fld>
             <a:endParaRPr lang="zh-TW" altLang="en-US"/>
           </a:p>
@@ -2237,7 +2237,7 @@
           <a:p>
             <a:fld id="{D572F042-E3AA-446E-A7BD-209431A81E36}" type="datetimeFigureOut">
               <a:rPr lang="zh-TW" altLang="en-US" smtClean="0"/>
-              <a:t>2021/6/24</a:t>
+              <a:t>2021/9/14</a:t>
             </a:fld>
             <a:endParaRPr lang="zh-TW" altLang="en-US"/>
           </a:p>
@@ -2489,7 +2489,7 @@
           <a:p>
             <a:fld id="{D572F042-E3AA-446E-A7BD-209431A81E36}" type="datetimeFigureOut">
               <a:rPr lang="zh-TW" altLang="en-US" smtClean="0"/>
-              <a:t>2021/6/24</a:t>
+              <a:t>2021/9/14</a:t>
             </a:fld>
             <a:endParaRPr lang="zh-TW" altLang="en-US"/>
           </a:p>
@@ -2702,7 +2702,7 @@
           <a:p>
             <a:fld id="{D572F042-E3AA-446E-A7BD-209431A81E36}" type="datetimeFigureOut">
               <a:rPr lang="zh-TW" altLang="en-US" smtClean="0"/>
-              <a:t>2021/6/24</a:t>
+              <a:t>2021/9/14</a:t>
             </a:fld>
             <a:endParaRPr lang="zh-TW" altLang="en-US"/>
           </a:p>
@@ -3084,7 +3084,7 @@
         </p:nvSpPr>
         <p:spPr>
           <a:xfrm>
-            <a:off x="0" y="2143135"/>
+            <a:off x="-744" y="2067694"/>
             <a:ext cx="9144000" cy="857250"/>
           </a:xfrm>
         </p:spPr>

--- a/宣道詩/(宣道詩100)主我來就你.pptx
+++ b/宣道詩/(宣道詩100)主我來就你.pptx
@@ -316,7 +316,7 @@
           <a:p>
             <a:fld id="{D572F042-E3AA-446E-A7BD-209431A81E36}" type="datetimeFigureOut">
               <a:rPr lang="zh-TW" altLang="en-US" smtClean="0"/>
-              <a:t>2021/6/24</a:t>
+              <a:t>2021/11/6</a:t>
             </a:fld>
             <a:endParaRPr lang="zh-TW" altLang="en-US"/>
           </a:p>
@@ -481,7 +481,7 @@
           <a:p>
             <a:fld id="{D572F042-E3AA-446E-A7BD-209431A81E36}" type="datetimeFigureOut">
               <a:rPr lang="zh-TW" altLang="en-US" smtClean="0"/>
-              <a:t>2021/6/24</a:t>
+              <a:t>2021/11/6</a:t>
             </a:fld>
             <a:endParaRPr lang="zh-TW" altLang="en-US"/>
           </a:p>
@@ -656,7 +656,7 @@
           <a:p>
             <a:fld id="{D572F042-E3AA-446E-A7BD-209431A81E36}" type="datetimeFigureOut">
               <a:rPr lang="zh-TW" altLang="en-US" smtClean="0"/>
-              <a:t>2021/6/24</a:t>
+              <a:t>2021/11/6</a:t>
             </a:fld>
             <a:endParaRPr lang="zh-TW" altLang="en-US"/>
           </a:p>
@@ -821,7 +821,7 @@
           <a:p>
             <a:fld id="{D572F042-E3AA-446E-A7BD-209431A81E36}" type="datetimeFigureOut">
               <a:rPr lang="zh-TW" altLang="en-US" smtClean="0"/>
-              <a:t>2021/6/24</a:t>
+              <a:t>2021/11/6</a:t>
             </a:fld>
             <a:endParaRPr lang="zh-TW" altLang="en-US"/>
           </a:p>
@@ -1062,7 +1062,7 @@
           <a:p>
             <a:fld id="{D572F042-E3AA-446E-A7BD-209431A81E36}" type="datetimeFigureOut">
               <a:rPr lang="zh-TW" altLang="en-US" smtClean="0"/>
-              <a:t>2021/6/24</a:t>
+              <a:t>2021/11/6</a:t>
             </a:fld>
             <a:endParaRPr lang="zh-TW" altLang="en-US"/>
           </a:p>
@@ -1345,7 +1345,7 @@
           <a:p>
             <a:fld id="{D572F042-E3AA-446E-A7BD-209431A81E36}" type="datetimeFigureOut">
               <a:rPr lang="zh-TW" altLang="en-US" smtClean="0"/>
-              <a:t>2021/6/24</a:t>
+              <a:t>2021/11/6</a:t>
             </a:fld>
             <a:endParaRPr lang="zh-TW" altLang="en-US"/>
           </a:p>
@@ -1762,7 +1762,7 @@
           <a:p>
             <a:fld id="{D572F042-E3AA-446E-A7BD-209431A81E36}" type="datetimeFigureOut">
               <a:rPr lang="zh-TW" altLang="en-US" smtClean="0"/>
-              <a:t>2021/6/24</a:t>
+              <a:t>2021/11/6</a:t>
             </a:fld>
             <a:endParaRPr lang="zh-TW" altLang="en-US"/>
           </a:p>
@@ -1875,7 +1875,7 @@
           <a:p>
             <a:fld id="{D572F042-E3AA-446E-A7BD-209431A81E36}" type="datetimeFigureOut">
               <a:rPr lang="zh-TW" altLang="en-US" smtClean="0"/>
-              <a:t>2021/6/24</a:t>
+              <a:t>2021/11/6</a:t>
             </a:fld>
             <a:endParaRPr lang="zh-TW" altLang="en-US"/>
           </a:p>
@@ -1965,7 +1965,7 @@
           <a:p>
             <a:fld id="{D572F042-E3AA-446E-A7BD-209431A81E36}" type="datetimeFigureOut">
               <a:rPr lang="zh-TW" altLang="en-US" smtClean="0"/>
-              <a:t>2021/6/24</a:t>
+              <a:t>2021/11/6</a:t>
             </a:fld>
             <a:endParaRPr lang="zh-TW" altLang="en-US"/>
           </a:p>
@@ -2237,7 +2237,7 @@
           <a:p>
             <a:fld id="{D572F042-E3AA-446E-A7BD-209431A81E36}" type="datetimeFigureOut">
               <a:rPr lang="zh-TW" altLang="en-US" smtClean="0"/>
-              <a:t>2021/6/24</a:t>
+              <a:t>2021/11/6</a:t>
             </a:fld>
             <a:endParaRPr lang="zh-TW" altLang="en-US"/>
           </a:p>
@@ -2489,7 +2489,7 @@
           <a:p>
             <a:fld id="{D572F042-E3AA-446E-A7BD-209431A81E36}" type="datetimeFigureOut">
               <a:rPr lang="zh-TW" altLang="en-US" smtClean="0"/>
-              <a:t>2021/6/24</a:t>
+              <a:t>2021/11/6</a:t>
             </a:fld>
             <a:endParaRPr lang="zh-TW" altLang="en-US"/>
           </a:p>
@@ -2702,7 +2702,7 @@
           <a:p>
             <a:fld id="{D572F042-E3AA-446E-A7BD-209431A81E36}" type="datetimeFigureOut">
               <a:rPr lang="zh-TW" altLang="en-US" smtClean="0"/>
-              <a:t>2021/6/24</a:t>
+              <a:t>2021/11/6</a:t>
             </a:fld>
             <a:endParaRPr lang="zh-TW" altLang="en-US"/>
           </a:p>
@@ -3084,7 +3084,7 @@
         </p:nvSpPr>
         <p:spPr>
           <a:xfrm>
-            <a:off x="0" y="2143135"/>
+            <a:off x="0" y="1995686"/>
             <a:ext cx="9144000" cy="857250"/>
           </a:xfrm>
         </p:spPr>

--- a/宣道詩/(宣道詩100)主我來就你.pptx
+++ b/宣道詩/(宣道詩100)主我來就你.pptx
@@ -316,7 +316,7 @@
           <a:p>
             <a:fld id="{D572F042-E3AA-446E-A7BD-209431A81E36}" type="datetimeFigureOut">
               <a:rPr lang="zh-TW" altLang="en-US" smtClean="0"/>
-              <a:t>2021/11/6</a:t>
+              <a:t>2022/8/5</a:t>
             </a:fld>
             <a:endParaRPr lang="zh-TW" altLang="en-US"/>
           </a:p>
@@ -481,7 +481,7 @@
           <a:p>
             <a:fld id="{D572F042-E3AA-446E-A7BD-209431A81E36}" type="datetimeFigureOut">
               <a:rPr lang="zh-TW" altLang="en-US" smtClean="0"/>
-              <a:t>2021/11/6</a:t>
+              <a:t>2022/8/5</a:t>
             </a:fld>
             <a:endParaRPr lang="zh-TW" altLang="en-US"/>
           </a:p>
@@ -656,7 +656,7 @@
           <a:p>
             <a:fld id="{D572F042-E3AA-446E-A7BD-209431A81E36}" type="datetimeFigureOut">
               <a:rPr lang="zh-TW" altLang="en-US" smtClean="0"/>
-              <a:t>2021/11/6</a:t>
+              <a:t>2022/8/5</a:t>
             </a:fld>
             <a:endParaRPr lang="zh-TW" altLang="en-US"/>
           </a:p>
@@ -821,7 +821,7 @@
           <a:p>
             <a:fld id="{D572F042-E3AA-446E-A7BD-209431A81E36}" type="datetimeFigureOut">
               <a:rPr lang="zh-TW" altLang="en-US" smtClean="0"/>
-              <a:t>2021/11/6</a:t>
+              <a:t>2022/8/5</a:t>
             </a:fld>
             <a:endParaRPr lang="zh-TW" altLang="en-US"/>
           </a:p>
@@ -1062,7 +1062,7 @@
           <a:p>
             <a:fld id="{D572F042-E3AA-446E-A7BD-209431A81E36}" type="datetimeFigureOut">
               <a:rPr lang="zh-TW" altLang="en-US" smtClean="0"/>
-              <a:t>2021/11/6</a:t>
+              <a:t>2022/8/5</a:t>
             </a:fld>
             <a:endParaRPr lang="zh-TW" altLang="en-US"/>
           </a:p>
@@ -1345,7 +1345,7 @@
           <a:p>
             <a:fld id="{D572F042-E3AA-446E-A7BD-209431A81E36}" type="datetimeFigureOut">
               <a:rPr lang="zh-TW" altLang="en-US" smtClean="0"/>
-              <a:t>2021/11/6</a:t>
+              <a:t>2022/8/5</a:t>
             </a:fld>
             <a:endParaRPr lang="zh-TW" altLang="en-US"/>
           </a:p>
@@ -1762,7 +1762,7 @@
           <a:p>
             <a:fld id="{D572F042-E3AA-446E-A7BD-209431A81E36}" type="datetimeFigureOut">
               <a:rPr lang="zh-TW" altLang="en-US" smtClean="0"/>
-              <a:t>2021/11/6</a:t>
+              <a:t>2022/8/5</a:t>
             </a:fld>
             <a:endParaRPr lang="zh-TW" altLang="en-US"/>
           </a:p>
@@ -1875,7 +1875,7 @@
           <a:p>
             <a:fld id="{D572F042-E3AA-446E-A7BD-209431A81E36}" type="datetimeFigureOut">
               <a:rPr lang="zh-TW" altLang="en-US" smtClean="0"/>
-              <a:t>2021/11/6</a:t>
+              <a:t>2022/8/5</a:t>
             </a:fld>
             <a:endParaRPr lang="zh-TW" altLang="en-US"/>
           </a:p>
@@ -1965,7 +1965,7 @@
           <a:p>
             <a:fld id="{D572F042-E3AA-446E-A7BD-209431A81E36}" type="datetimeFigureOut">
               <a:rPr lang="zh-TW" altLang="en-US" smtClean="0"/>
-              <a:t>2021/11/6</a:t>
+              <a:t>2022/8/5</a:t>
             </a:fld>
             <a:endParaRPr lang="zh-TW" altLang="en-US"/>
           </a:p>
@@ -2237,7 +2237,7 @@
           <a:p>
             <a:fld id="{D572F042-E3AA-446E-A7BD-209431A81E36}" type="datetimeFigureOut">
               <a:rPr lang="zh-TW" altLang="en-US" smtClean="0"/>
-              <a:t>2021/11/6</a:t>
+              <a:t>2022/8/5</a:t>
             </a:fld>
             <a:endParaRPr lang="zh-TW" altLang="en-US"/>
           </a:p>
@@ -2489,7 +2489,7 @@
           <a:p>
             <a:fld id="{D572F042-E3AA-446E-A7BD-209431A81E36}" type="datetimeFigureOut">
               <a:rPr lang="zh-TW" altLang="en-US" smtClean="0"/>
-              <a:t>2021/11/6</a:t>
+              <a:t>2022/8/5</a:t>
             </a:fld>
             <a:endParaRPr lang="zh-TW" altLang="en-US"/>
           </a:p>
@@ -2702,7 +2702,7 @@
           <a:p>
             <a:fld id="{D572F042-E3AA-446E-A7BD-209431A81E36}" type="datetimeFigureOut">
               <a:rPr lang="zh-TW" altLang="en-US" smtClean="0"/>
-              <a:t>2021/11/6</a:t>
+              <a:t>2022/8/5</a:t>
             </a:fld>
             <a:endParaRPr lang="zh-TW" altLang="en-US"/>
           </a:p>
@@ -3494,7 +3494,7 @@
                   <a:srgbClr val="000066"/>
                 </a:solidFill>
               </a:rPr>
-              <a:t>)</a:t>
+              <a:t>/ 4 )</a:t>
             </a:r>
             <a:endParaRPr lang="vi-VN" sz="3200" b="1" dirty="0">
               <a:solidFill>
@@ -3636,23 +3636,7 @@
                   <a:srgbClr val="000066"/>
                 </a:solidFill>
               </a:rPr>
-              <a:t>( </a:t>
-            </a:r>
-            <a:r>
-              <a:rPr lang="en-US" sz="3200" b="1" dirty="0" smtClean="0">
-                <a:solidFill>
-                  <a:srgbClr val="000066"/>
-                </a:solidFill>
-              </a:rPr>
-              <a:t>4 </a:t>
-            </a:r>
-            <a:r>
-              <a:rPr lang="en-US" sz="3200" b="1" dirty="0">
-                <a:solidFill>
-                  <a:srgbClr val="000066"/>
-                </a:solidFill>
-              </a:rPr>
-              <a:t>)</a:t>
+              <a:t>( 4 / 4 )</a:t>
             </a:r>
             <a:endParaRPr lang="vi-VN" sz="3200" b="1" dirty="0">
               <a:solidFill>
@@ -3925,7 +3909,23 @@
                   <a:srgbClr val="000066"/>
                 </a:solidFill>
               </a:rPr>
-              <a:t>( 1 )</a:t>
+              <a:t>( </a:t>
+            </a:r>
+            <a:r>
+              <a:rPr lang="en-US" sz="3200" b="1" dirty="0" smtClean="0">
+                <a:solidFill>
+                  <a:srgbClr val="000066"/>
+                </a:solidFill>
+              </a:rPr>
+              <a:t>1 / 4 </a:t>
+            </a:r>
+            <a:r>
+              <a:rPr lang="en-US" sz="3200" b="1" dirty="0">
+                <a:solidFill>
+                  <a:srgbClr val="000066"/>
+                </a:solidFill>
+              </a:rPr>
+              <a:t>)</a:t>
             </a:r>
             <a:endParaRPr lang="vi-VN" sz="3200" b="1" dirty="0">
               <a:solidFill>
@@ -4061,7 +4061,7 @@
                   <a:srgbClr val="000066"/>
                 </a:solidFill>
               </a:rPr>
-              <a:t>( 1 )</a:t>
+              <a:t>( 1 / 4 )</a:t>
             </a:r>
             <a:endParaRPr lang="vi-VN" sz="3200" b="1" dirty="0">
               <a:solidFill>
@@ -4340,7 +4340,7 @@
                   <a:srgbClr val="000066"/>
                 </a:solidFill>
               </a:rPr>
-              <a:t>)</a:t>
+              <a:t>/ 4 )</a:t>
             </a:r>
             <a:endParaRPr lang="vi-VN" sz="3200" b="1" dirty="0">
               <a:solidFill>
@@ -4476,23 +4476,7 @@
                   <a:srgbClr val="000066"/>
                 </a:solidFill>
               </a:rPr>
-              <a:t>( </a:t>
-            </a:r>
-            <a:r>
-              <a:rPr lang="en-US" sz="3200" b="1" dirty="0" smtClean="0">
-                <a:solidFill>
-                  <a:srgbClr val="000066"/>
-                </a:solidFill>
-              </a:rPr>
-              <a:t>2 </a:t>
-            </a:r>
-            <a:r>
-              <a:rPr lang="en-US" sz="3200" b="1" dirty="0">
-                <a:solidFill>
-                  <a:srgbClr val="000066"/>
-                </a:solidFill>
-              </a:rPr>
-              <a:t>)</a:t>
+              <a:t>( 2 / 4 )</a:t>
             </a:r>
             <a:endParaRPr lang="vi-VN" sz="3200" b="1" dirty="0">
               <a:solidFill>
@@ -4787,7 +4771,7 @@
                   <a:srgbClr val="000066"/>
                 </a:solidFill>
               </a:rPr>
-              <a:t>)</a:t>
+              <a:t>/ 4 )</a:t>
             </a:r>
             <a:endParaRPr lang="vi-VN" sz="3200" b="1" dirty="0">
               <a:solidFill>
@@ -4929,23 +4913,7 @@
                   <a:srgbClr val="000066"/>
                 </a:solidFill>
               </a:rPr>
-              <a:t>( </a:t>
-            </a:r>
-            <a:r>
-              <a:rPr lang="en-US" sz="3200" b="1" dirty="0" smtClean="0">
-                <a:solidFill>
-                  <a:srgbClr val="000066"/>
-                </a:solidFill>
-              </a:rPr>
-              <a:t>3 </a:t>
-            </a:r>
-            <a:r>
-              <a:rPr lang="en-US" sz="3200" b="1" dirty="0">
-                <a:solidFill>
-                  <a:srgbClr val="000066"/>
-                </a:solidFill>
-              </a:rPr>
-              <a:t>)</a:t>
+              <a:t>( 3 / 4 )</a:t>
             </a:r>
             <a:endParaRPr lang="vi-VN" sz="3200" b="1" dirty="0">
               <a:solidFill>

--- a/宣道詩/(宣道詩100)主我來就你.pptx
+++ b/宣道詩/(宣道詩100)主我來就你.pptx
@@ -14,10 +14,10 @@
     <p:sldId id="266" r:id="rId8"/>
     <p:sldId id="267" r:id="rId9"/>
     <p:sldId id="268" r:id="rId10"/>
-    <p:sldId id="269" r:id="rId11"/>
+    <p:sldId id="273" r:id="rId11"/>
     <p:sldId id="270" r:id="rId12"/>
     <p:sldId id="271" r:id="rId13"/>
-    <p:sldId id="272" r:id="rId14"/>
+    <p:sldId id="274" r:id="rId14"/>
   </p:sldIdLst>
   <p:sldSz cx="9144000" cy="5143500" type="screen16x9"/>
   <p:notesSz cx="6858000" cy="9144000"/>
@@ -316,7 +316,7 @@
           <a:p>
             <a:fld id="{D572F042-E3AA-446E-A7BD-209431A81E36}" type="datetimeFigureOut">
               <a:rPr lang="zh-TW" altLang="en-US" smtClean="0"/>
-              <a:t>2022/8/5</a:t>
+              <a:t>2023/5/6</a:t>
             </a:fld>
             <a:endParaRPr lang="zh-TW" altLang="en-US"/>
           </a:p>
@@ -481,7 +481,7 @@
           <a:p>
             <a:fld id="{D572F042-E3AA-446E-A7BD-209431A81E36}" type="datetimeFigureOut">
               <a:rPr lang="zh-TW" altLang="en-US" smtClean="0"/>
-              <a:t>2022/8/5</a:t>
+              <a:t>2023/5/6</a:t>
             </a:fld>
             <a:endParaRPr lang="zh-TW" altLang="en-US"/>
           </a:p>
@@ -656,7 +656,7 @@
           <a:p>
             <a:fld id="{D572F042-E3AA-446E-A7BD-209431A81E36}" type="datetimeFigureOut">
               <a:rPr lang="zh-TW" altLang="en-US" smtClean="0"/>
-              <a:t>2022/8/5</a:t>
+              <a:t>2023/5/6</a:t>
             </a:fld>
             <a:endParaRPr lang="zh-TW" altLang="en-US"/>
           </a:p>
@@ -821,7 +821,7 @@
           <a:p>
             <a:fld id="{D572F042-E3AA-446E-A7BD-209431A81E36}" type="datetimeFigureOut">
               <a:rPr lang="zh-TW" altLang="en-US" smtClean="0"/>
-              <a:t>2022/8/5</a:t>
+              <a:t>2023/5/6</a:t>
             </a:fld>
             <a:endParaRPr lang="zh-TW" altLang="en-US"/>
           </a:p>
@@ -1062,7 +1062,7 @@
           <a:p>
             <a:fld id="{D572F042-E3AA-446E-A7BD-209431A81E36}" type="datetimeFigureOut">
               <a:rPr lang="zh-TW" altLang="en-US" smtClean="0"/>
-              <a:t>2022/8/5</a:t>
+              <a:t>2023/5/6</a:t>
             </a:fld>
             <a:endParaRPr lang="zh-TW" altLang="en-US"/>
           </a:p>
@@ -1345,7 +1345,7 @@
           <a:p>
             <a:fld id="{D572F042-E3AA-446E-A7BD-209431A81E36}" type="datetimeFigureOut">
               <a:rPr lang="zh-TW" altLang="en-US" smtClean="0"/>
-              <a:t>2022/8/5</a:t>
+              <a:t>2023/5/6</a:t>
             </a:fld>
             <a:endParaRPr lang="zh-TW" altLang="en-US"/>
           </a:p>
@@ -1762,7 +1762,7 @@
           <a:p>
             <a:fld id="{D572F042-E3AA-446E-A7BD-209431A81E36}" type="datetimeFigureOut">
               <a:rPr lang="zh-TW" altLang="en-US" smtClean="0"/>
-              <a:t>2022/8/5</a:t>
+              <a:t>2023/5/6</a:t>
             </a:fld>
             <a:endParaRPr lang="zh-TW" altLang="en-US"/>
           </a:p>
@@ -1875,7 +1875,7 @@
           <a:p>
             <a:fld id="{D572F042-E3AA-446E-A7BD-209431A81E36}" type="datetimeFigureOut">
               <a:rPr lang="zh-TW" altLang="en-US" smtClean="0"/>
-              <a:t>2022/8/5</a:t>
+              <a:t>2023/5/6</a:t>
             </a:fld>
             <a:endParaRPr lang="zh-TW" altLang="en-US"/>
           </a:p>
@@ -1965,7 +1965,7 @@
           <a:p>
             <a:fld id="{D572F042-E3AA-446E-A7BD-209431A81E36}" type="datetimeFigureOut">
               <a:rPr lang="zh-TW" altLang="en-US" smtClean="0"/>
-              <a:t>2022/8/5</a:t>
+              <a:t>2023/5/6</a:t>
             </a:fld>
             <a:endParaRPr lang="zh-TW" altLang="en-US"/>
           </a:p>
@@ -2237,7 +2237,7 @@
           <a:p>
             <a:fld id="{D572F042-E3AA-446E-A7BD-209431A81E36}" type="datetimeFigureOut">
               <a:rPr lang="zh-TW" altLang="en-US" smtClean="0"/>
-              <a:t>2022/8/5</a:t>
+              <a:t>2023/5/6</a:t>
             </a:fld>
             <a:endParaRPr lang="zh-TW" altLang="en-US"/>
           </a:p>
@@ -2489,7 +2489,7 @@
           <a:p>
             <a:fld id="{D572F042-E3AA-446E-A7BD-209431A81E36}" type="datetimeFigureOut">
               <a:rPr lang="zh-TW" altLang="en-US" smtClean="0"/>
-              <a:t>2022/8/5</a:t>
+              <a:t>2023/5/6</a:t>
             </a:fld>
             <a:endParaRPr lang="zh-TW" altLang="en-US"/>
           </a:p>
@@ -2702,7 +2702,7 @@
           <a:p>
             <a:fld id="{D572F042-E3AA-446E-A7BD-209431A81E36}" type="datetimeFigureOut">
               <a:rPr lang="zh-TW" altLang="en-US" smtClean="0"/>
-              <a:t>2022/8/5</a:t>
+              <a:t>2023/5/6</a:t>
             </a:fld>
             <a:endParaRPr lang="zh-TW" altLang="en-US"/>
           </a:p>
@@ -3193,7 +3193,24 @@
                 <a:latin typeface="微軟正黑體" pitchFamily="34" charset="-120"/>
                 <a:ea typeface="微軟正黑體" pitchFamily="34" charset="-120"/>
               </a:rPr>
-              <a:t>我來就袮</a:t>
+              <a:t>我來</a:t>
+            </a:r>
+            <a:r>
+              <a:rPr lang="zh-CN" altLang="en-US" sz="6000" b="1" dirty="0">
+                <a:solidFill>
+                  <a:srgbClr val="000066"/>
+                </a:solidFill>
+                <a:effectLst>
+                  <a:outerShdw blurRad="38100" dist="38100" dir="2700000" algn="tl">
+                    <a:srgbClr val="000000">
+                      <a:alpha val="43137"/>
+                    </a:srgbClr>
+                  </a:outerShdw>
+                </a:effectLst>
+                <a:latin typeface="微軟正黑體" pitchFamily="34" charset="-120"/>
+                <a:ea typeface="微軟正黑體" pitchFamily="34" charset="-120"/>
+              </a:rPr>
+              <a:t>就祢</a:t>
             </a:r>
             <a:endParaRPr lang="zh-TW" altLang="en-US" sz="6000" b="1" dirty="0">
               <a:solidFill>
@@ -3282,7 +3299,47 @@
                 <a:latin typeface="Microsoft JhengHei" pitchFamily="34" charset="-120"/>
                 <a:ea typeface="Microsoft JhengHei" pitchFamily="34" charset="-120"/>
               </a:rPr>
-              <a:t>主我來就袮  我今來就袮</a:t>
+              <a:t>主我來</a:t>
+            </a:r>
+            <a:r>
+              <a:rPr lang="zh-CN" altLang="en-US" sz="4800" b="1" dirty="0">
+                <a:solidFill>
+                  <a:srgbClr val="000066"/>
+                </a:solidFill>
+                <a:latin typeface="Microsoft JhengHei" pitchFamily="34" charset="-120"/>
+                <a:ea typeface="Microsoft JhengHei" pitchFamily="34" charset="-120"/>
+              </a:rPr>
+              <a:t>就</a:t>
+            </a:r>
+            <a:r>
+              <a:rPr lang="zh-CN" altLang="en-US" sz="4800" b="1" dirty="0" smtClean="0">
+                <a:solidFill>
+                  <a:srgbClr val="000066"/>
+                </a:solidFill>
+                <a:latin typeface="Microsoft JhengHei" pitchFamily="34" charset="-120"/>
+                <a:ea typeface="Microsoft JhengHei" pitchFamily="34" charset="-120"/>
+              </a:rPr>
+              <a:t>祢  我</a:t>
+            </a:r>
+            <a:r>
+              <a:rPr lang="zh-CN" altLang="en-US" sz="4800" b="1" dirty="0">
+                <a:solidFill>
+                  <a:srgbClr val="000066"/>
+                </a:solidFill>
+                <a:latin typeface="Microsoft JhengHei" pitchFamily="34" charset="-120"/>
+                <a:ea typeface="Microsoft JhengHei" pitchFamily="34" charset="-120"/>
+              </a:rPr>
+              <a:t>今來</a:t>
+            </a:r>
+            <a:r>
+              <a:rPr lang="zh-CN" altLang="en-US" sz="4800" b="1" dirty="0">
+                <a:solidFill>
+                  <a:srgbClr val="000066"/>
+                </a:solidFill>
+                <a:latin typeface="Microsoft JhengHei" pitchFamily="34" charset="-120"/>
+                <a:ea typeface="Microsoft JhengHei" pitchFamily="34" charset="-120"/>
+              </a:rPr>
+              <a:t>就祢</a:t>
             </a:r>
             <a:endParaRPr lang="en-US" altLang="zh-CN" sz="4800" b="1" dirty="0">
               <a:solidFill>
@@ -3339,7 +3396,7 @@
     </p:spTree>
     <p:extLst>
       <p:ext uri="{BB962C8B-B14F-4D97-AF65-F5344CB8AC3E}">
-        <p14:creationId xmlns:p14="http://schemas.microsoft.com/office/powerpoint/2010/main" val="2078893670"/>
+        <p14:creationId xmlns:p14="http://schemas.microsoft.com/office/powerpoint/2010/main" val="904936218"/>
       </p:ext>
     </p:extLst>
   </p:cSld>
@@ -3709,7 +3766,47 @@
                 <a:latin typeface="Microsoft JhengHei" pitchFamily="34" charset="-120"/>
                 <a:ea typeface="Microsoft JhengHei" pitchFamily="34" charset="-120"/>
               </a:rPr>
-              <a:t>主我來就袮  我今來就袮</a:t>
+              <a:t>主我來</a:t>
+            </a:r>
+            <a:r>
+              <a:rPr lang="zh-CN" altLang="en-US" sz="4800" b="1" dirty="0">
+                <a:solidFill>
+                  <a:srgbClr val="000066"/>
+                </a:solidFill>
+                <a:latin typeface="Microsoft JhengHei" pitchFamily="34" charset="-120"/>
+                <a:ea typeface="Microsoft JhengHei" pitchFamily="34" charset="-120"/>
+              </a:rPr>
+              <a:t>就</a:t>
+            </a:r>
+            <a:r>
+              <a:rPr lang="zh-CN" altLang="en-US" sz="4800" b="1" dirty="0" smtClean="0">
+                <a:solidFill>
+                  <a:srgbClr val="000066"/>
+                </a:solidFill>
+                <a:latin typeface="Microsoft JhengHei" pitchFamily="34" charset="-120"/>
+                <a:ea typeface="Microsoft JhengHei" pitchFamily="34" charset="-120"/>
+              </a:rPr>
+              <a:t>祢  我</a:t>
+            </a:r>
+            <a:r>
+              <a:rPr lang="zh-CN" altLang="en-US" sz="4800" b="1" dirty="0">
+                <a:solidFill>
+                  <a:srgbClr val="000066"/>
+                </a:solidFill>
+                <a:latin typeface="Microsoft JhengHei" pitchFamily="34" charset="-120"/>
+                <a:ea typeface="Microsoft JhengHei" pitchFamily="34" charset="-120"/>
+              </a:rPr>
+              <a:t>今來</a:t>
+            </a:r>
+            <a:r>
+              <a:rPr lang="zh-CN" altLang="en-US" sz="4800" b="1" dirty="0">
+                <a:solidFill>
+                  <a:srgbClr val="000066"/>
+                </a:solidFill>
+                <a:latin typeface="Microsoft JhengHei" pitchFamily="34" charset="-120"/>
+                <a:ea typeface="Microsoft JhengHei" pitchFamily="34" charset="-120"/>
+              </a:rPr>
+              <a:t>就祢</a:t>
             </a:r>
             <a:endParaRPr lang="en-US" altLang="zh-CN" sz="4800" b="1" dirty="0">
               <a:solidFill>
@@ -3766,7 +3863,7 @@
     </p:spTree>
     <p:extLst>
       <p:ext uri="{BB962C8B-B14F-4D97-AF65-F5344CB8AC3E}">
-        <p14:creationId xmlns:p14="http://schemas.microsoft.com/office/powerpoint/2010/main" val="1126589740"/>
+        <p14:creationId xmlns:p14="http://schemas.microsoft.com/office/powerpoint/2010/main" val="2486531310"/>
       </p:ext>
     </p:extLst>
   </p:cSld>
@@ -4134,7 +4231,57 @@
                 <a:latin typeface="Microsoft JhengHei" pitchFamily="34" charset="-120"/>
                 <a:ea typeface="Microsoft JhengHei" pitchFamily="34" charset="-120"/>
               </a:rPr>
-              <a:t>主我來就袮  我今來就袮</a:t>
+              <a:t>主我</a:t>
+            </a:r>
+            <a:r>
+              <a:rPr lang="zh-CN" altLang="en-US" sz="4800" b="1" dirty="0">
+                <a:solidFill>
+                  <a:srgbClr val="000066"/>
+                </a:solidFill>
+                <a:latin typeface="Microsoft JhengHei" pitchFamily="34" charset="-120"/>
+                <a:ea typeface="Microsoft JhengHei" pitchFamily="34" charset="-120"/>
+              </a:rPr>
+              <a:t>來</a:t>
+            </a:r>
+            <a:r>
+              <a:rPr lang="zh-CN" altLang="en-US" sz="4800" b="1" dirty="0">
+                <a:solidFill>
+                  <a:srgbClr val="000066"/>
+                </a:solidFill>
+                <a:latin typeface="Microsoft JhengHei" pitchFamily="34" charset="-120"/>
+                <a:ea typeface="Microsoft JhengHei" pitchFamily="34" charset="-120"/>
+              </a:rPr>
+              <a:t>就祢  </a:t>
+            </a:r>
+            <a:r>
+              <a:rPr lang="zh-CN" altLang="en-US" sz="4800" b="1" dirty="0" smtClean="0">
+                <a:solidFill>
+                  <a:srgbClr val="000066"/>
+                </a:solidFill>
+                <a:latin typeface="Microsoft JhengHei" pitchFamily="34" charset="-120"/>
+                <a:ea typeface="Microsoft JhengHei" pitchFamily="34" charset="-120"/>
+              </a:rPr>
+              <a:t>我</a:t>
+            </a:r>
+            <a:r>
+              <a:rPr lang="zh-CN" altLang="en-US" sz="4800" b="1" dirty="0">
+                <a:solidFill>
+                  <a:srgbClr val="000066"/>
+                </a:solidFill>
+                <a:latin typeface="Microsoft JhengHei" pitchFamily="34" charset="-120"/>
+                <a:ea typeface="Microsoft JhengHei" pitchFamily="34" charset="-120"/>
+              </a:rPr>
+              <a:t>今來</a:t>
+            </a:r>
+            <a:r>
+              <a:rPr lang="zh-CN" altLang="en-US" sz="4800" b="1" dirty="0">
+                <a:solidFill>
+                  <a:srgbClr val="000066"/>
+                </a:solidFill>
+                <a:latin typeface="Microsoft JhengHei" pitchFamily="34" charset="-120"/>
+                <a:ea typeface="Microsoft JhengHei" pitchFamily="34" charset="-120"/>
+              </a:rPr>
+              <a:t>就祢</a:t>
             </a:r>
             <a:endParaRPr lang="en-US" altLang="zh-CN" sz="4800" b="1" dirty="0">
               <a:solidFill>
@@ -4549,7 +4696,47 @@
                 <a:latin typeface="Microsoft JhengHei" pitchFamily="34" charset="-120"/>
                 <a:ea typeface="Microsoft JhengHei" pitchFamily="34" charset="-120"/>
               </a:rPr>
-              <a:t>主我來就袮  我今來就袮</a:t>
+              <a:t>主我來</a:t>
+            </a:r>
+            <a:r>
+              <a:rPr lang="zh-CN" altLang="en-US" sz="4800" b="1" dirty="0">
+                <a:solidFill>
+                  <a:srgbClr val="000066"/>
+                </a:solidFill>
+                <a:latin typeface="Microsoft JhengHei" pitchFamily="34" charset="-120"/>
+                <a:ea typeface="Microsoft JhengHei" pitchFamily="34" charset="-120"/>
+              </a:rPr>
+              <a:t>就</a:t>
+            </a:r>
+            <a:r>
+              <a:rPr lang="zh-CN" altLang="en-US" sz="4800" b="1" dirty="0" smtClean="0">
+                <a:solidFill>
+                  <a:srgbClr val="000066"/>
+                </a:solidFill>
+                <a:latin typeface="Microsoft JhengHei" pitchFamily="34" charset="-120"/>
+                <a:ea typeface="Microsoft JhengHei" pitchFamily="34" charset="-120"/>
+              </a:rPr>
+              <a:t>祢  我</a:t>
+            </a:r>
+            <a:r>
+              <a:rPr lang="zh-CN" altLang="en-US" sz="4800" b="1" dirty="0">
+                <a:solidFill>
+                  <a:srgbClr val="000066"/>
+                </a:solidFill>
+                <a:latin typeface="Microsoft JhengHei" pitchFamily="34" charset="-120"/>
+                <a:ea typeface="Microsoft JhengHei" pitchFamily="34" charset="-120"/>
+              </a:rPr>
+              <a:t>今來</a:t>
+            </a:r>
+            <a:r>
+              <a:rPr lang="zh-CN" altLang="en-US" sz="4800" b="1" dirty="0">
+                <a:solidFill>
+                  <a:srgbClr val="000066"/>
+                </a:solidFill>
+                <a:latin typeface="Microsoft JhengHei" pitchFamily="34" charset="-120"/>
+                <a:ea typeface="Microsoft JhengHei" pitchFamily="34" charset="-120"/>
+              </a:rPr>
+              <a:t>就祢</a:t>
             </a:r>
             <a:endParaRPr lang="en-US" altLang="zh-CN" sz="4800" b="1" dirty="0">
               <a:solidFill>
